--- a/第6讲 事件消息.pptx
+++ b/第6讲 事件消息.pptx
@@ -9,10 +9,10 @@
     <p:sldMasterId id="2147483691" r:id="rId5"/>
   </p:sldMasterIdLst>
   <p:notesMasterIdLst>
-    <p:notesMasterId r:id="rId19"/>
+    <p:notesMasterId r:id="rId21"/>
   </p:notesMasterIdLst>
   <p:handoutMasterIdLst>
-    <p:handoutMasterId r:id="rId20"/>
+    <p:handoutMasterId r:id="rId22"/>
   </p:handoutMasterIdLst>
   <p:sldIdLst>
     <p:sldId id="257" r:id="rId6"/>
@@ -22,17 +22,19 @@
     <p:sldId id="481" r:id="rId10"/>
     <p:sldId id="482" r:id="rId11"/>
     <p:sldId id="466" r:id="rId12"/>
-    <p:sldId id="460" r:id="rId13"/>
-    <p:sldId id="480" r:id="rId14"/>
-    <p:sldId id="439" r:id="rId15"/>
-    <p:sldId id="456" r:id="rId16"/>
-    <p:sldId id="452" r:id="rId17"/>
-    <p:sldId id="473" r:id="rId18"/>
+    <p:sldId id="484" r:id="rId13"/>
+    <p:sldId id="483" r:id="rId14"/>
+    <p:sldId id="460" r:id="rId15"/>
+    <p:sldId id="480" r:id="rId16"/>
+    <p:sldId id="439" r:id="rId17"/>
+    <p:sldId id="456" r:id="rId18"/>
+    <p:sldId id="452" r:id="rId19"/>
+    <p:sldId id="473" r:id="rId20"/>
   </p:sldIdLst>
   <p:sldSz cx="12192000" cy="6858000"/>
   <p:notesSz cx="6858000" cy="9144000"/>
   <p:custDataLst>
-    <p:tags r:id="rId21"/>
+    <p:tags r:id="rId23"/>
   </p:custDataLst>
   <p:defaultTextStyle>
     <a:defPPr>
@@ -177,6 +179,10 @@
 </p:cmAuthorLst>
 </file>
 
+<file path=ppt/revisionInfo.xml><?xml version="1.0" encoding="utf-8"?>
+<p1510:revInfo xmlns:a="http://schemas.openxmlformats.org/drawingml/2006/main" xmlns:r="http://schemas.openxmlformats.org/officeDocument/2006/relationships" xmlns:p1510="http://schemas.microsoft.com/office/powerpoint/2015/10/main"/>
+</file>
+
 <file path=ppt/handoutMasters/handoutMaster1.xml><?xml version="1.0" encoding="utf-8"?>
 <p:handoutMaster xmlns:a="http://schemas.openxmlformats.org/drawingml/2006/main" xmlns:r="http://schemas.openxmlformats.org/officeDocument/2006/relationships" xmlns:p="http://schemas.openxmlformats.org/presentationml/2006/main">
   <p:cSld>
@@ -259,7 +265,7 @@
           <a:p>
             <a:fld id="{2B71C804-97F5-4B36-A7AC-EEEC7F44F6C2}" type="datetimeFigureOut">
               <a:rPr lang="zh-CN" altLang="en-US" smtClean="0"/>
-              <a:t>2017/7/20</a:t>
+              <a:t>2017/8/25</a:t>
             </a:fld>
             <a:endParaRPr lang="zh-CN" altLang="en-US"/>
           </a:p>
@@ -425,7 +431,7 @@
           <a:p>
             <a:fld id="{0568D9C6-D8DC-4CC3-8480-E0C4DBA1CC07}" type="datetimeFigureOut">
               <a:rPr lang="zh-CN" altLang="en-US" smtClean="0"/>
-              <a:t>2017/7/20</a:t>
+              <a:t>2017/8/25</a:t>
             </a:fld>
             <a:endParaRPr lang="zh-CN" altLang="en-US"/>
           </a:p>
@@ -773,7 +779,7 @@
           <a:p>
             <a:fld id="{DB9D664F-4C68-42D2-B189-678958EFAFDA}" type="datetime1">
               <a:rPr lang="zh-CN" altLang="en-US" smtClean="0"/>
-              <a:t>2017/7/20</a:t>
+              <a:t>2017/8/25</a:t>
             </a:fld>
             <a:endParaRPr lang="zh-CN" altLang="en-US"/>
           </a:p>
@@ -1073,7 +1079,7 @@
           <a:p>
             <a:fld id="{ED5513C8-E3A4-4D78-B249-887659A958FF}" type="datetime1">
               <a:rPr lang="en-US" altLang="zh-CN" smtClean="0"/>
-              <a:t>7/20/2017</a:t>
+              <a:t>8/25/2017</a:t>
             </a:fld>
             <a:endParaRPr lang="en-US"/>
           </a:p>
@@ -1251,7 +1257,7 @@
           <a:p>
             <a:fld id="{EBEDA52C-3EEE-4289-818C-901C0A7814FE}" type="datetime1">
               <a:rPr lang="en-US" altLang="zh-CN" smtClean="0"/>
-              <a:t>7/20/2017</a:t>
+              <a:t>8/25/2017</a:t>
             </a:fld>
             <a:endParaRPr lang="en-US"/>
           </a:p>
@@ -1505,7 +1511,7 @@
           <a:p>
             <a:fld id="{09EF5D7F-EA15-485C-85DD-8FDC010A62D4}" type="datetime1">
               <a:rPr lang="en-US" altLang="zh-CN" smtClean="0"/>
-              <a:t>7/20/2017</a:t>
+              <a:t>8/25/2017</a:t>
             </a:fld>
             <a:endParaRPr lang="en-US"/>
           </a:p>
@@ -1745,7 +1751,7 @@
           <a:p>
             <a:fld id="{9541C2B2-0BAB-4CD4-83EE-25F1A7138896}" type="datetime1">
               <a:rPr lang="en-US" altLang="zh-CN" smtClean="0"/>
-              <a:t>7/20/2017</a:t>
+              <a:t>8/25/2017</a:t>
             </a:fld>
             <a:endParaRPr lang="en-US"/>
           </a:p>
@@ -2120,7 +2126,7 @@
           <a:p>
             <a:fld id="{7DEA23E7-D0FC-41DC-8745-BE6FC447B182}" type="datetime1">
               <a:rPr lang="en-US" altLang="zh-CN" smtClean="0"/>
-              <a:t>7/20/2017</a:t>
+              <a:t>8/25/2017</a:t>
             </a:fld>
             <a:endParaRPr lang="en-US"/>
           </a:p>
@@ -2905,7 +2911,7 @@
           <a:p>
             <a:fld id="{5DEA8378-5F33-490B-8120-8DE6B7EE2781}" type="datetime1">
               <a:rPr lang="en-US" altLang="zh-CN" smtClean="0"/>
-              <a:t>7/20/2017</a:t>
+              <a:t>8/25/2017</a:t>
             </a:fld>
             <a:endParaRPr lang="en-US"/>
           </a:p>
@@ -3159,7 +3165,7 @@
           <a:p>
             <a:fld id="{38DD30CF-78A7-4C73-91B4-38D3E3317745}" type="datetime1">
               <a:rPr lang="en-US" altLang="zh-CN" smtClean="0"/>
-              <a:t>7/20/2017</a:t>
+              <a:t>8/25/2017</a:t>
             </a:fld>
             <a:endParaRPr lang="en-US"/>
           </a:p>
@@ -3424,7 +3430,7 @@
           <a:p>
             <a:fld id="{0B7E01DD-16D0-4DBA-9C1A-51468BA0B73A}" type="datetime1">
               <a:rPr lang="en-US" altLang="zh-CN" smtClean="0"/>
-              <a:t>7/20/2017</a:t>
+              <a:t>8/25/2017</a:t>
             </a:fld>
             <a:endParaRPr lang="en-US"/>
           </a:p>
@@ -3527,7 +3533,7 @@
           <a:p>
             <a:fld id="{A1BE0A72-8501-4974-A7B7-5BD248ABBAFC}" type="datetime1">
               <a:rPr lang="zh-CN" altLang="en-US" smtClean="0"/>
-              <a:t>2017/7/20</a:t>
+              <a:t>2017/8/25</a:t>
             </a:fld>
             <a:endParaRPr lang="zh-CN" altLang="en-US"/>
           </a:p>
@@ -3701,7 +3707,7 @@
           <a:p>
             <a:fld id="{B587E63F-0E62-4A50-901F-E071D77F7634}" type="datetime1">
               <a:rPr lang="en-US" altLang="zh-CN" smtClean="0"/>
-              <a:t>7/20/2017</a:t>
+              <a:t>8/25/2017</a:t>
             </a:fld>
             <a:endParaRPr lang="en-US"/>
           </a:p>
@@ -3889,7 +3895,7 @@
           <a:p>
             <a:fld id="{BD8521E8-9297-400B-AD8C-0A4D05699D33}" type="datetime1">
               <a:rPr lang="en-US" altLang="zh-CN" smtClean="0"/>
-              <a:t>7/20/2017</a:t>
+              <a:t>8/25/2017</a:t>
             </a:fld>
             <a:endParaRPr lang="en-US"/>
           </a:p>
@@ -4120,7 +4126,7 @@
           <a:p>
             <a:fld id="{ED5513C8-E3A4-4D78-B249-887659A958FF}" type="datetime1">
               <a:rPr lang="en-US" altLang="zh-CN" smtClean="0"/>
-              <a:t>7/20/2017</a:t>
+              <a:t>8/25/2017</a:t>
             </a:fld>
             <a:endParaRPr lang="en-US"/>
           </a:p>
@@ -4298,7 +4304,7 @@
           <a:p>
             <a:fld id="{EBEDA52C-3EEE-4289-818C-901C0A7814FE}" type="datetime1">
               <a:rPr lang="en-US" altLang="zh-CN" smtClean="0"/>
-              <a:t>7/20/2017</a:t>
+              <a:t>8/25/2017</a:t>
             </a:fld>
             <a:endParaRPr lang="en-US"/>
           </a:p>
@@ -4552,7 +4558,7 @@
           <a:p>
             <a:fld id="{09EF5D7F-EA15-485C-85DD-8FDC010A62D4}" type="datetime1">
               <a:rPr lang="en-US" altLang="zh-CN" smtClean="0"/>
-              <a:t>7/20/2017</a:t>
+              <a:t>8/25/2017</a:t>
             </a:fld>
             <a:endParaRPr lang="en-US"/>
           </a:p>
@@ -4792,7 +4798,7 @@
           <a:p>
             <a:fld id="{9541C2B2-0BAB-4CD4-83EE-25F1A7138896}" type="datetime1">
               <a:rPr lang="en-US" altLang="zh-CN" smtClean="0"/>
-              <a:t>7/20/2017</a:t>
+              <a:t>8/25/2017</a:t>
             </a:fld>
             <a:endParaRPr lang="en-US"/>
           </a:p>
@@ -5167,7 +5173,7 @@
           <a:p>
             <a:fld id="{7DEA23E7-D0FC-41DC-8745-BE6FC447B182}" type="datetime1">
               <a:rPr lang="en-US" altLang="zh-CN" smtClean="0"/>
-              <a:t>7/20/2017</a:t>
+              <a:t>8/25/2017</a:t>
             </a:fld>
             <a:endParaRPr lang="en-US"/>
           </a:p>
@@ -5952,7 +5958,7 @@
           <a:p>
             <a:fld id="{5DEA8378-5F33-490B-8120-8DE6B7EE2781}" type="datetime1">
               <a:rPr lang="en-US" altLang="zh-CN" smtClean="0"/>
-              <a:t>7/20/2017</a:t>
+              <a:t>8/25/2017</a:t>
             </a:fld>
             <a:endParaRPr lang="en-US"/>
           </a:p>
@@ -6024,7 +6030,7 @@
           <a:p>
             <a:fld id="{A1BE0A72-8501-4974-A7B7-5BD248ABBAFC}" type="datetime1">
               <a:rPr lang="zh-CN" altLang="en-US" smtClean="0"/>
-              <a:t>2017/7/20</a:t>
+              <a:t>2017/8/25</a:t>
             </a:fld>
             <a:endParaRPr lang="zh-CN" altLang="en-US"/>
           </a:p>
@@ -6259,7 +6265,7 @@
           <a:p>
             <a:fld id="{38DD30CF-78A7-4C73-91B4-38D3E3317745}" type="datetime1">
               <a:rPr lang="en-US" altLang="zh-CN" smtClean="0"/>
-              <a:t>7/20/2017</a:t>
+              <a:t>8/25/2017</a:t>
             </a:fld>
             <a:endParaRPr lang="en-US"/>
           </a:p>
@@ -6524,7 +6530,7 @@
           <a:p>
             <a:fld id="{0B7E01DD-16D0-4DBA-9C1A-51468BA0B73A}" type="datetime1">
               <a:rPr lang="en-US" altLang="zh-CN" smtClean="0"/>
-              <a:t>7/20/2017</a:t>
+              <a:t>8/25/2017</a:t>
             </a:fld>
             <a:endParaRPr lang="en-US"/>
           </a:p>
@@ -6702,7 +6708,7 @@
           <a:p>
             <a:fld id="{B587E63F-0E62-4A50-901F-E071D77F7634}" type="datetime1">
               <a:rPr lang="en-US" altLang="zh-CN" smtClean="0"/>
-              <a:t>7/20/2017</a:t>
+              <a:t>8/25/2017</a:t>
             </a:fld>
             <a:endParaRPr lang="en-US"/>
           </a:p>
@@ -6890,7 +6896,7 @@
           <a:p>
             <a:fld id="{BD8521E8-9297-400B-AD8C-0A4D05699D33}" type="datetime1">
               <a:rPr lang="en-US" altLang="zh-CN" smtClean="0"/>
-              <a:t>7/20/2017</a:t>
+              <a:t>8/25/2017</a:t>
             </a:fld>
             <a:endParaRPr lang="en-US"/>
           </a:p>
@@ -6993,7 +6999,7 @@
           <a:p>
             <a:fld id="{EF452D9C-F9EB-4417-9C3A-C876C2AF9415}" type="datetime1">
               <a:rPr lang="zh-CN" altLang="en-US" smtClean="0"/>
-              <a:t>2017/7/20</a:t>
+              <a:t>2017/8/25</a:t>
             </a:fld>
             <a:endParaRPr lang="zh-CN" altLang="en-US"/>
           </a:p>
@@ -7179,7 +7185,7 @@
           <a:p>
             <a:fld id="{2F2E9289-9B4C-49AE-BDDA-70D6EDC89D17}" type="datetime1">
               <a:rPr lang="zh-CN" altLang="en-US" smtClean="0"/>
-              <a:t>2017/7/20</a:t>
+              <a:t>2017/8/25</a:t>
             </a:fld>
             <a:endParaRPr lang="zh-CN" altLang="en-US"/>
           </a:p>
@@ -7349,7 +7355,7 @@
           <a:p>
             <a:fld id="{2F2E9289-9B4C-49AE-BDDA-70D6EDC89D17}" type="datetime1">
               <a:rPr lang="zh-CN" altLang="en-US" smtClean="0"/>
-              <a:t>2017/7/20</a:t>
+              <a:t>2017/8/25</a:t>
             </a:fld>
             <a:endParaRPr lang="zh-CN" altLang="en-US"/>
           </a:p>
@@ -7585,7 +7591,7 @@
           <a:p>
             <a:fld id="{8C5BA751-A251-47D6-8494-C134D9EBED5F}" type="datetime1">
               <a:rPr lang="zh-CN" altLang="en-US" smtClean="0"/>
-              <a:t>2017/7/20</a:t>
+              <a:t>2017/8/25</a:t>
             </a:fld>
             <a:endParaRPr lang="zh-CN" altLang="en-US"/>
           </a:p>
@@ -7941,7 +7947,7 @@
           <a:p>
             <a:fld id="{C46E2078-F302-4651-A2A2-2FC6C4E1A3F1}" type="datetime1">
               <a:rPr lang="zh-CN" altLang="en-US" smtClean="0"/>
-              <a:t>2017/7/20</a:t>
+              <a:t>2017/8/25</a:t>
             </a:fld>
             <a:endParaRPr lang="zh-CN" altLang="en-US"/>
           </a:p>
@@ -8756,7 +8762,7 @@
           <a:p>
             <a:fld id="{A1BE0A72-8501-4974-A7B7-5BD248ABBAFC}" type="datetime1">
               <a:rPr lang="zh-CN" altLang="en-US" smtClean="0"/>
-              <a:t>2017/7/20</a:t>
+              <a:t>2017/8/25</a:t>
             </a:fld>
             <a:endParaRPr lang="zh-CN" altLang="en-US"/>
           </a:p>
@@ -9269,7 +9275,7 @@
           <a:p>
             <a:fld id="{A1BE0A72-8501-4974-A7B7-5BD248ABBAFC}" type="datetime1">
               <a:rPr lang="zh-CN" altLang="en-US" smtClean="0"/>
-              <a:t>2017/7/20</a:t>
+              <a:t>2017/8/25</a:t>
             </a:fld>
             <a:endParaRPr lang="zh-CN" altLang="en-US"/>
           </a:p>
@@ -9875,7 +9881,7 @@
           <a:p>
             <a:fld id="{7A78726F-0AD2-4A20-BC72-263D2D3F3A2F}" type="datetime1">
               <a:rPr lang="en-US" altLang="zh-CN" smtClean="0"/>
-              <a:t>7/20/2017</a:t>
+              <a:t>8/25/2017</a:t>
             </a:fld>
             <a:endParaRPr lang="en-US"/>
           </a:p>
@@ -10856,7 +10862,7 @@
           <a:p>
             <a:fld id="{A1BE0A72-8501-4974-A7B7-5BD248ABBAFC}" type="datetime1">
               <a:rPr lang="zh-CN" altLang="en-US" smtClean="0"/>
-              <a:t>2017/7/20</a:t>
+              <a:t>2017/8/25</a:t>
             </a:fld>
             <a:endParaRPr lang="zh-CN" altLang="en-US"/>
           </a:p>
@@ -11462,7 +11468,7 @@
           <a:p>
             <a:fld id="{7A78726F-0AD2-4A20-BC72-263D2D3F3A2F}" type="datetime1">
               <a:rPr lang="en-US" altLang="zh-CN" smtClean="0"/>
-              <a:t>7/20/2017</a:t>
+              <a:t>8/25/2017</a:t>
             </a:fld>
             <a:endParaRPr lang="en-US"/>
           </a:p>
@@ -12333,18 +12339,17 @@
           <a:lstStyle/>
           <a:p>
             <a:r>
-              <a:rPr lang="zh-CN" altLang="en-US" dirty="0" smtClean="0"/>
+              <a:rPr lang="zh-CN" altLang="en-US" dirty="0"/>
               <a:t>第</a:t>
             </a:r>
             <a:r>
-              <a:rPr lang="en-US" altLang="zh-CN" dirty="0" smtClean="0"/>
+              <a:rPr lang="en-US" altLang="zh-CN" dirty="0"/>
               <a:t>6</a:t>
             </a:r>
             <a:r>
-              <a:rPr lang="zh-CN" altLang="en-US" dirty="0" smtClean="0"/>
+              <a:rPr lang="zh-CN" altLang="en-US" dirty="0"/>
               <a:t>讲 事件消息</a:t>
             </a:r>
-            <a:endParaRPr lang="zh-CN" altLang="en-US" dirty="0"/>
           </a:p>
         </p:txBody>
       </p:sp>
@@ -12397,13 +12402,6 @@
   <p:clrMapOvr>
     <a:masterClrMapping/>
   </p:clrMapOvr>
-  <p:timing>
-    <p:tnLst>
-      <p:par>
-        <p:cTn id="1" dur="indefinite" restart="never" nodeType="tmRoot"/>
-      </p:par>
-    </p:tnLst>
-  </p:timing>
 </p:sld>
 </file>
 
@@ -12426,6 +12424,342 @@
       </p:grpSpPr>
       <p:sp>
         <p:nvSpPr>
+          <p:cNvPr id="2" name="内容占位符 1"/>
+          <p:cNvSpPr>
+            <a:spLocks noGrp="1"/>
+          </p:cNvSpPr>
+          <p:nvPr>
+            <p:ph sz="quarter" idx="13"/>
+          </p:nvPr>
+        </p:nvSpPr>
+        <p:spPr/>
+        <p:txBody>
+          <a:bodyPr/>
+          <a:lstStyle/>
+          <a:p>
+            <a:r>
+              <a:rPr lang="zh-CN" altLang="en-US" b="0" dirty="0"/>
+              <a:t>第二讲</a:t>
+            </a:r>
+          </a:p>
+        </p:txBody>
+      </p:sp>
+      <p:sp>
+        <p:nvSpPr>
+          <p:cNvPr id="4" name="文本框 3"/>
+          <p:cNvSpPr txBox="1"/>
+          <p:nvPr/>
+        </p:nvSpPr>
+        <p:spPr>
+          <a:xfrm>
+            <a:off x="4058444" y="2343152"/>
+            <a:ext cx="5385594" cy="1969257"/>
+          </a:xfrm>
+          <a:prstGeom prst="rect">
+            <a:avLst/>
+          </a:prstGeom>
+          <a:noFill/>
+        </p:spPr>
+        <p:txBody>
+          <a:bodyPr wrap="square" rtlCol="0">
+            <a:spAutoFit/>
+          </a:bodyPr>
+          <a:lstStyle/>
+          <a:p>
+            <a:pPr marL="514350" indent="-514350">
+              <a:lnSpc>
+                <a:spcPct val="200000"/>
+              </a:lnSpc>
+              <a:buFont typeface="+mj-ea"/>
+              <a:buAutoNum type="ea1JpnChsDbPeriod"/>
+            </a:pPr>
+            <a:r>
+              <a:rPr lang="zh-CN" altLang="en-US" sz="2000" dirty="0">
+                <a:solidFill>
+                  <a:schemeClr val="tx1">
+                    <a:lumMod val="65000"/>
+                    <a:lumOff val="35000"/>
+                  </a:schemeClr>
+                </a:solidFill>
+                <a:latin typeface="微软雅黑" panose="020B0503020204020204" pitchFamily="34" charset="-122"/>
+                <a:ea typeface="微软雅黑" panose="020B0503020204020204" pitchFamily="34" charset="-122"/>
+              </a:rPr>
+              <a:t>菜单事件</a:t>
+            </a:r>
+            <a:endParaRPr lang="en-US" altLang="zh-CN" sz="2000" dirty="0">
+              <a:solidFill>
+                <a:schemeClr val="tx1">
+                  <a:lumMod val="65000"/>
+                  <a:lumOff val="35000"/>
+                </a:schemeClr>
+              </a:solidFill>
+              <a:latin typeface="微软雅黑" panose="020B0503020204020204" pitchFamily="34" charset="-122"/>
+              <a:ea typeface="微软雅黑" panose="020B0503020204020204" pitchFamily="34" charset="-122"/>
+            </a:endParaRPr>
+          </a:p>
+          <a:p>
+            <a:pPr marL="514350" indent="-514350">
+              <a:lnSpc>
+                <a:spcPct val="200000"/>
+              </a:lnSpc>
+              <a:buFont typeface="+mj-ea"/>
+              <a:buAutoNum type="ea1JpnChsDbPeriod"/>
+            </a:pPr>
+            <a:r>
+              <a:rPr lang="zh-CN" altLang="en-US" sz="2400" dirty="0">
+                <a:solidFill>
+                  <a:schemeClr val="accent6">
+                    <a:lumMod val="75000"/>
+                  </a:schemeClr>
+                </a:solidFill>
+                <a:latin typeface="微软雅黑" panose="020B0503020204020204" pitchFamily="34" charset="-122"/>
+                <a:ea typeface="微软雅黑" panose="020B0503020204020204" pitchFamily="34" charset="-122"/>
+              </a:rPr>
+              <a:t>关注</a:t>
+            </a:r>
+            <a:r>
+              <a:rPr lang="en-US" altLang="zh-CN" sz="2400" dirty="0">
+                <a:solidFill>
+                  <a:schemeClr val="accent6">
+                    <a:lumMod val="75000"/>
+                  </a:schemeClr>
+                </a:solidFill>
+                <a:latin typeface="微软雅黑" panose="020B0503020204020204" pitchFamily="34" charset="-122"/>
+                <a:ea typeface="微软雅黑" panose="020B0503020204020204" pitchFamily="34" charset="-122"/>
+              </a:rPr>
+              <a:t>/</a:t>
+            </a:r>
+            <a:r>
+              <a:rPr lang="zh-CN" altLang="en-US" sz="2400" dirty="0">
+                <a:solidFill>
+                  <a:schemeClr val="accent6">
+                    <a:lumMod val="75000"/>
+                  </a:schemeClr>
+                </a:solidFill>
+                <a:latin typeface="微软雅黑" panose="020B0503020204020204" pitchFamily="34" charset="-122"/>
+                <a:ea typeface="微软雅黑" panose="020B0503020204020204" pitchFamily="34" charset="-122"/>
+              </a:rPr>
+              <a:t>取消关注事件</a:t>
+            </a:r>
+            <a:endParaRPr lang="en-US" altLang="zh-CN" sz="2400" dirty="0">
+              <a:solidFill>
+                <a:schemeClr val="accent6">
+                  <a:lumMod val="75000"/>
+                </a:schemeClr>
+              </a:solidFill>
+              <a:latin typeface="微软雅黑" panose="020B0503020204020204" pitchFamily="34" charset="-122"/>
+              <a:ea typeface="微软雅黑" panose="020B0503020204020204" pitchFamily="34" charset="-122"/>
+            </a:endParaRPr>
+          </a:p>
+          <a:p>
+            <a:pPr marL="514350" indent="-514350">
+              <a:lnSpc>
+                <a:spcPct val="200000"/>
+              </a:lnSpc>
+              <a:buFont typeface="+mj-ea"/>
+              <a:buAutoNum type="ea1JpnChsDbPeriod"/>
+            </a:pPr>
+            <a:r>
+              <a:rPr lang="zh-CN" altLang="en-US" sz="2000" dirty="0">
+                <a:solidFill>
+                  <a:schemeClr val="tx1">
+                    <a:lumMod val="65000"/>
+                    <a:lumOff val="35000"/>
+                  </a:schemeClr>
+                </a:solidFill>
+                <a:latin typeface="微软雅黑" panose="020B0503020204020204" pitchFamily="34" charset="-122"/>
+                <a:ea typeface="微软雅黑" panose="020B0503020204020204" pitchFamily="34" charset="-122"/>
+              </a:rPr>
+              <a:t>扫描二维码与地理位置事件</a:t>
+            </a:r>
+            <a:endParaRPr lang="en-US" altLang="zh-CN" sz="2000" dirty="0">
+              <a:solidFill>
+                <a:schemeClr val="tx1">
+                  <a:lumMod val="65000"/>
+                  <a:lumOff val="35000"/>
+                </a:schemeClr>
+              </a:solidFill>
+              <a:latin typeface="微软雅黑" panose="020B0503020204020204" pitchFamily="34" charset="-122"/>
+              <a:ea typeface="微软雅黑" panose="020B0503020204020204" pitchFamily="34" charset="-122"/>
+            </a:endParaRPr>
+          </a:p>
+        </p:txBody>
+      </p:sp>
+    </p:spTree>
+    <p:extLst>
+      <p:ext uri="{BB962C8B-B14F-4D97-AF65-F5344CB8AC3E}">
+        <p14:creationId xmlns:p14="http://schemas.microsoft.com/office/powerpoint/2010/main" val="2999457395"/>
+      </p:ext>
+    </p:extLst>
+  </p:cSld>
+  <p:clrMapOvr>
+    <a:masterClrMapping/>
+  </p:clrMapOvr>
+</p:sld>
+</file>
+
+<file path=ppt/slides/slide11.xml><?xml version="1.0" encoding="utf-8"?>
+<p:sld xmlns:a="http://schemas.openxmlformats.org/drawingml/2006/main" xmlns:r="http://schemas.openxmlformats.org/officeDocument/2006/relationships" xmlns:p="http://schemas.openxmlformats.org/presentationml/2006/main">
+  <p:cSld>
+    <p:spTree>
+      <p:nvGrpSpPr>
+        <p:cNvPr id="1" name=""/>
+        <p:cNvGrpSpPr/>
+        <p:nvPr/>
+      </p:nvGrpSpPr>
+      <p:grpSpPr>
+        <a:xfrm>
+          <a:off x="0" y="0"/>
+          <a:ext cx="0" cy="0"/>
+          <a:chOff x="0" y="0"/>
+          <a:chExt cx="0" cy="0"/>
+        </a:xfrm>
+      </p:grpSpPr>
+      <p:sp>
+        <p:nvSpPr>
+          <p:cNvPr id="2" name="内容占位符 1"/>
+          <p:cNvSpPr>
+            <a:spLocks noGrp="1"/>
+          </p:cNvSpPr>
+          <p:nvPr>
+            <p:ph sz="quarter" idx="13"/>
+          </p:nvPr>
+        </p:nvSpPr>
+        <p:spPr/>
+        <p:txBody>
+          <a:bodyPr/>
+          <a:lstStyle/>
+          <a:p>
+            <a:r>
+              <a:rPr lang="zh-CN" altLang="en-US" b="0" dirty="0"/>
+              <a:t>关注公众号的事件</a:t>
+            </a:r>
+          </a:p>
+        </p:txBody>
+      </p:sp>
+      <p:sp>
+        <p:nvSpPr>
+          <p:cNvPr id="4" name="文本框 3"/>
+          <p:cNvSpPr txBox="1"/>
+          <p:nvPr/>
+        </p:nvSpPr>
+        <p:spPr>
+          <a:xfrm>
+            <a:off x="1166811" y="1585913"/>
+            <a:ext cx="10048877" cy="1477328"/>
+          </a:xfrm>
+          <a:prstGeom prst="rect">
+            <a:avLst/>
+          </a:prstGeom>
+          <a:noFill/>
+        </p:spPr>
+        <p:txBody>
+          <a:bodyPr wrap="square" rtlCol="0">
+            <a:spAutoFit/>
+          </a:bodyPr>
+          <a:lstStyle/>
+          <a:p>
+            <a:pPr marL="342900" indent="-342900">
+              <a:lnSpc>
+                <a:spcPct val="150000"/>
+              </a:lnSpc>
+              <a:buFont typeface="Arial" panose="020B0604020202020204" pitchFamily="34" charset="0"/>
+              <a:buChar char="•"/>
+            </a:pPr>
+            <a:r>
+              <a:rPr lang="zh-CN" altLang="en-US" sz="2000" dirty="0">
+                <a:latin typeface="微软雅黑" panose="020B0503020204020204" pitchFamily="34" charset="-122"/>
+                <a:ea typeface="微软雅黑" panose="020B0503020204020204" pitchFamily="34" charset="-122"/>
+              </a:rPr>
+              <a:t>用户关注微信公众号后，微信服务器会发送事件消息到开发者服务器。开发者服务器收到消息后，可回复消息，据此可实现消息自动回复。</a:t>
+            </a:r>
+            <a:endParaRPr lang="en-US" altLang="zh-CN" sz="2000" dirty="0">
+              <a:latin typeface="微软雅黑" panose="020B0503020204020204" pitchFamily="34" charset="-122"/>
+              <a:ea typeface="微软雅黑" panose="020B0503020204020204" pitchFamily="34" charset="-122"/>
+            </a:endParaRPr>
+          </a:p>
+          <a:p>
+            <a:pPr marL="342900" indent="-342900">
+              <a:lnSpc>
+                <a:spcPct val="150000"/>
+              </a:lnSpc>
+              <a:buFont typeface="Arial" panose="020B0604020202020204" pitchFamily="34" charset="0"/>
+              <a:buChar char="•"/>
+            </a:pPr>
+            <a:r>
+              <a:rPr lang="zh-CN" altLang="en-US" sz="2000" dirty="0">
+                <a:latin typeface="微软雅黑" panose="020B0503020204020204" pitchFamily="34" charset="-122"/>
+                <a:ea typeface="微软雅黑" panose="020B0503020204020204" pitchFamily="34" charset="-122"/>
+              </a:rPr>
+              <a:t>用户关注公众号后，开发者服务器会收到</a:t>
+            </a:r>
+            <a:r>
+              <a:rPr lang="en-US" altLang="zh-CN" sz="2000" dirty="0">
+                <a:latin typeface="微软雅黑" panose="020B0503020204020204" pitchFamily="34" charset="-122"/>
+                <a:ea typeface="微软雅黑" panose="020B0503020204020204" pitchFamily="34" charset="-122"/>
+              </a:rPr>
+              <a:t>Event</a:t>
+            </a:r>
+            <a:r>
+              <a:rPr lang="zh-CN" altLang="en-US" sz="2000" dirty="0">
+                <a:latin typeface="微软雅黑" panose="020B0503020204020204" pitchFamily="34" charset="-122"/>
+                <a:ea typeface="微软雅黑" panose="020B0503020204020204" pitchFamily="34" charset="-122"/>
+              </a:rPr>
+              <a:t>值为</a:t>
+            </a:r>
+            <a:r>
+              <a:rPr lang="en-US" altLang="zh-CN" sz="2000" dirty="0">
+                <a:latin typeface="微软雅黑" panose="020B0503020204020204" pitchFamily="34" charset="-122"/>
+                <a:ea typeface="微软雅黑" panose="020B0503020204020204" pitchFamily="34" charset="-122"/>
+              </a:rPr>
+              <a:t>subscribe</a:t>
+            </a:r>
+            <a:r>
+              <a:rPr lang="zh-CN" altLang="en-US" sz="2000" dirty="0">
+                <a:latin typeface="微软雅黑" panose="020B0503020204020204" pitchFamily="34" charset="-122"/>
+                <a:ea typeface="微软雅黑" panose="020B0503020204020204" pitchFamily="34" charset="-122"/>
+              </a:rPr>
+              <a:t>的事件消息。</a:t>
+            </a:r>
+            <a:endParaRPr lang="en-US" altLang="zh-CN" sz="2000" dirty="0">
+              <a:latin typeface="微软雅黑" panose="020B0503020204020204" pitchFamily="34" charset="-122"/>
+              <a:ea typeface="微软雅黑" panose="020B0503020204020204" pitchFamily="34" charset="-122"/>
+            </a:endParaRPr>
+          </a:p>
+        </p:txBody>
+      </p:sp>
+    </p:spTree>
+    <p:extLst>
+      <p:ext uri="{BB962C8B-B14F-4D97-AF65-F5344CB8AC3E}">
+        <p14:creationId xmlns:p14="http://schemas.microsoft.com/office/powerpoint/2010/main" val="2699412093"/>
+      </p:ext>
+    </p:extLst>
+  </p:cSld>
+  <p:clrMapOvr>
+    <a:masterClrMapping/>
+  </p:clrMapOvr>
+</p:sld>
+</file>
+
+<file path=ppt/slides/slide12.xml><?xml version="1.0" encoding="utf-8"?>
+<p:sld xmlns:a="http://schemas.openxmlformats.org/drawingml/2006/main" xmlns:r="http://schemas.openxmlformats.org/officeDocument/2006/relationships" xmlns:p="http://schemas.openxmlformats.org/presentationml/2006/main">
+  <p:cSld>
+    <p:spTree>
+      <p:nvGrpSpPr>
+        <p:cNvPr id="1" name=""/>
+        <p:cNvGrpSpPr/>
+        <p:nvPr/>
+      </p:nvGrpSpPr>
+      <p:grpSpPr>
+        <a:xfrm>
+          <a:off x="0" y="0"/>
+          <a:ext cx="0" cy="0"/>
+          <a:chOff x="0" y="0"/>
+          <a:chExt cx="0" cy="0"/>
+        </a:xfrm>
+      </p:grpSpPr>
+      <p:sp>
+        <p:nvSpPr>
           <p:cNvPr id="3" name="内容占位符 2"/>
           <p:cNvSpPr>
             <a:spLocks noGrp="1"/>
@@ -12446,13 +12780,8 @@
           <a:p>
             <a:r>
               <a:rPr lang="zh-CN" altLang="en-US" b="0" dirty="0"/>
-              <a:t>关注公众</a:t>
-            </a:r>
-            <a:r>
-              <a:rPr lang="zh-CN" altLang="en-US" b="0" dirty="0" smtClean="0"/>
-              <a:t>号返回文本消息</a:t>
-            </a:r>
-            <a:endParaRPr lang="zh-CN" altLang="en-US" b="0" dirty="0"/>
+              <a:t>关注公众号返回文本消息</a:t>
+            </a:r>
           </a:p>
         </p:txBody>
       </p:sp>
@@ -12496,381 +12825,6 @@
   <p:clrMapOvr>
     <a:masterClrMapping/>
   </p:clrMapOvr>
-  <p:timing>
-    <p:tnLst>
-      <p:par>
-        <p:cTn id="1" dur="indefinite" restart="never" nodeType="tmRoot"/>
-      </p:par>
-    </p:tnLst>
-  </p:timing>
-</p:sld>
-</file>
-
-<file path=ppt/slides/slide11.xml><?xml version="1.0" encoding="utf-8"?>
-<p:sld xmlns:a="http://schemas.openxmlformats.org/drawingml/2006/main" xmlns:r="http://schemas.openxmlformats.org/officeDocument/2006/relationships" xmlns:p="http://schemas.openxmlformats.org/presentationml/2006/main">
-  <p:cSld>
-    <p:spTree>
-      <p:nvGrpSpPr>
-        <p:cNvPr id="1" name=""/>
-        <p:cNvGrpSpPr/>
-        <p:nvPr/>
-      </p:nvGrpSpPr>
-      <p:grpSpPr>
-        <a:xfrm>
-          <a:off x="0" y="0"/>
-          <a:ext cx="0" cy="0"/>
-          <a:chOff x="0" y="0"/>
-          <a:chExt cx="0" cy="0"/>
-        </a:xfrm>
-      </p:grpSpPr>
-      <p:sp>
-        <p:nvSpPr>
-          <p:cNvPr id="2" name="内容占位符 1"/>
-          <p:cNvSpPr>
-            <a:spLocks noGrp="1"/>
-          </p:cNvSpPr>
-          <p:nvPr>
-            <p:ph sz="quarter" idx="13"/>
-          </p:nvPr>
-        </p:nvSpPr>
-        <p:spPr>
-          <a:xfrm>
-            <a:off x="1054100" y="543636"/>
-            <a:ext cx="5818188" cy="685800"/>
-          </a:xfrm>
-        </p:spPr>
-        <p:txBody>
-          <a:bodyPr/>
-          <a:lstStyle/>
-          <a:p>
-            <a:r>
-              <a:rPr lang="zh-CN" altLang="en-US" b="0" dirty="0" smtClean="0"/>
-              <a:t>取消关注的事件</a:t>
-            </a:r>
-            <a:endParaRPr lang="zh-CN" altLang="en-US" b="0" dirty="0"/>
-          </a:p>
-        </p:txBody>
-      </p:sp>
-      <p:sp>
-        <p:nvSpPr>
-          <p:cNvPr id="4" name="文本框 3"/>
-          <p:cNvSpPr txBox="1"/>
-          <p:nvPr/>
-        </p:nvSpPr>
-        <p:spPr>
-          <a:xfrm>
-            <a:off x="1054099" y="1657350"/>
-            <a:ext cx="8975725" cy="1843903"/>
-          </a:xfrm>
-          <a:prstGeom prst="rect">
-            <a:avLst/>
-          </a:prstGeom>
-          <a:noFill/>
-        </p:spPr>
-        <p:txBody>
-          <a:bodyPr wrap="square" rtlCol="0">
-            <a:spAutoFit/>
-          </a:bodyPr>
-          <a:lstStyle/>
-          <a:p>
-            <a:pPr marL="285750" indent="-285750">
-              <a:lnSpc>
-                <a:spcPct val="150000"/>
-              </a:lnSpc>
-              <a:buFont typeface="Arial" panose="020B0604020202020204" pitchFamily="34" charset="0"/>
-              <a:buChar char="•"/>
-            </a:pPr>
-            <a:r>
-              <a:rPr lang="zh-CN" altLang="en-US" sz="2000" dirty="0">
-                <a:latin typeface="微软雅黑" panose="020B0503020204020204" pitchFamily="34" charset="-122"/>
-                <a:ea typeface="微软雅黑" panose="020B0503020204020204" pitchFamily="34" charset="-122"/>
-              </a:rPr>
-              <a:t>取消</a:t>
-            </a:r>
-            <a:r>
-              <a:rPr lang="zh-CN" altLang="en-US" sz="2000" dirty="0" smtClean="0">
-                <a:latin typeface="微软雅黑" panose="020B0503020204020204" pitchFamily="34" charset="-122"/>
-                <a:ea typeface="微软雅黑" panose="020B0503020204020204" pitchFamily="34" charset="-122"/>
-              </a:rPr>
-              <a:t>关注公众号的事件，微信服务器会发送取消关注的事件通知到开发者服务器，</a:t>
-            </a:r>
-            <a:r>
-              <a:rPr lang="en-US" altLang="zh-CN" sz="2000" dirty="0" smtClean="0">
-                <a:latin typeface="微软雅黑" panose="020B0503020204020204" pitchFamily="34" charset="-122"/>
-                <a:ea typeface="微软雅黑" panose="020B0503020204020204" pitchFamily="34" charset="-122"/>
-              </a:rPr>
-              <a:t>Event</a:t>
-            </a:r>
-            <a:r>
-              <a:rPr lang="zh-CN" altLang="en-US" sz="2000" dirty="0" smtClean="0">
-                <a:latin typeface="微软雅黑" panose="020B0503020204020204" pitchFamily="34" charset="-122"/>
-                <a:ea typeface="微软雅黑" panose="020B0503020204020204" pitchFamily="34" charset="-122"/>
-              </a:rPr>
-              <a:t>值为</a:t>
-            </a:r>
-            <a:r>
-              <a:rPr lang="en-US" altLang="zh-CN" sz="2000" dirty="0" smtClean="0">
-                <a:latin typeface="微软雅黑" panose="020B0503020204020204" pitchFamily="34" charset="-122"/>
-                <a:ea typeface="微软雅黑" panose="020B0503020204020204" pitchFamily="34" charset="-122"/>
-              </a:rPr>
-              <a:t>unsubscribe</a:t>
-            </a:r>
-            <a:r>
-              <a:rPr lang="zh-CN" altLang="en-US" sz="2000" dirty="0" smtClean="0">
-                <a:latin typeface="微软雅黑" panose="020B0503020204020204" pitchFamily="34" charset="-122"/>
-                <a:ea typeface="微软雅黑" panose="020B0503020204020204" pitchFamily="34" charset="-122"/>
-              </a:rPr>
-              <a:t>。</a:t>
-            </a:r>
-            <a:endParaRPr lang="en-US" altLang="zh-CN" sz="2000" dirty="0" smtClean="0">
-              <a:latin typeface="微软雅黑" panose="020B0503020204020204" pitchFamily="34" charset="-122"/>
-              <a:ea typeface="微软雅黑" panose="020B0503020204020204" pitchFamily="34" charset="-122"/>
-            </a:endParaRPr>
-          </a:p>
-          <a:p>
-            <a:pPr marL="285750" indent="-285750">
-              <a:lnSpc>
-                <a:spcPct val="150000"/>
-              </a:lnSpc>
-              <a:buFont typeface="Arial" panose="020B0604020202020204" pitchFamily="34" charset="0"/>
-              <a:buChar char="•"/>
-            </a:pPr>
-            <a:r>
-              <a:rPr lang="zh-CN" altLang="en-US" sz="2000" dirty="0" smtClean="0">
-                <a:latin typeface="微软雅黑" panose="020B0503020204020204" pitchFamily="34" charset="-122"/>
-                <a:ea typeface="微软雅黑" panose="020B0503020204020204" pitchFamily="34" charset="-122"/>
-              </a:rPr>
-              <a:t>取消关注是不能回复消息的。</a:t>
-            </a:r>
-            <a:endParaRPr lang="en-US" altLang="zh-CN" sz="2000" dirty="0">
-              <a:latin typeface="微软雅黑" panose="020B0503020204020204" pitchFamily="34" charset="-122"/>
-              <a:ea typeface="微软雅黑" panose="020B0503020204020204" pitchFamily="34" charset="-122"/>
-            </a:endParaRPr>
-          </a:p>
-          <a:p>
-            <a:pPr lvl="1">
-              <a:lnSpc>
-                <a:spcPct val="150000"/>
-              </a:lnSpc>
-            </a:pPr>
-            <a:endParaRPr lang="en-US" altLang="zh-CN" dirty="0" smtClean="0">
-              <a:latin typeface="微软雅黑" panose="020B0503020204020204" pitchFamily="34" charset="-122"/>
-              <a:ea typeface="微软雅黑" panose="020B0503020204020204" pitchFamily="34" charset="-122"/>
-            </a:endParaRPr>
-          </a:p>
-        </p:txBody>
-      </p:sp>
-    </p:spTree>
-    <p:extLst>
-      <p:ext uri="{BB962C8B-B14F-4D97-AF65-F5344CB8AC3E}">
-        <p14:creationId xmlns:p14="http://schemas.microsoft.com/office/powerpoint/2010/main" val="2902273865"/>
-      </p:ext>
-    </p:extLst>
-  </p:cSld>
-  <p:clrMapOvr>
-    <a:masterClrMapping/>
-  </p:clrMapOvr>
-</p:sld>
-</file>
-
-<file path=ppt/slides/slide12.xml><?xml version="1.0" encoding="utf-8"?>
-<p:sld xmlns:a="http://schemas.openxmlformats.org/drawingml/2006/main" xmlns:r="http://schemas.openxmlformats.org/officeDocument/2006/relationships" xmlns:p="http://schemas.openxmlformats.org/presentationml/2006/main">
-  <p:cSld>
-    <p:spTree>
-      <p:nvGrpSpPr>
-        <p:cNvPr id="1" name=""/>
-        <p:cNvGrpSpPr/>
-        <p:nvPr/>
-      </p:nvGrpSpPr>
-      <p:grpSpPr>
-        <a:xfrm>
-          <a:off x="0" y="0"/>
-          <a:ext cx="0" cy="0"/>
-          <a:chOff x="0" y="0"/>
-          <a:chExt cx="0" cy="0"/>
-        </a:xfrm>
-      </p:grpSpPr>
-      <p:sp>
-        <p:nvSpPr>
-          <p:cNvPr id="2" name="内容占位符 1"/>
-          <p:cNvSpPr>
-            <a:spLocks noGrp="1"/>
-          </p:cNvSpPr>
-          <p:nvPr>
-            <p:ph sz="quarter" idx="13"/>
-          </p:nvPr>
-        </p:nvSpPr>
-        <p:spPr>
-          <a:xfrm>
-            <a:off x="1054100" y="543636"/>
-            <a:ext cx="7304088" cy="685800"/>
-          </a:xfrm>
-        </p:spPr>
-        <p:txBody>
-          <a:bodyPr/>
-          <a:lstStyle/>
-          <a:p>
-            <a:r>
-              <a:rPr lang="zh-CN" altLang="en-US" b="0" dirty="0" smtClean="0"/>
-              <a:t>第三讲</a:t>
-            </a:r>
-            <a:endParaRPr lang="zh-CN" altLang="en-US" b="0" dirty="0"/>
-          </a:p>
-        </p:txBody>
-      </p:sp>
-      <p:sp>
-        <p:nvSpPr>
-          <p:cNvPr id="5" name="文本框 4"/>
-          <p:cNvSpPr txBox="1"/>
-          <p:nvPr/>
-        </p:nvSpPr>
-        <p:spPr>
-          <a:xfrm>
-            <a:off x="4058444" y="2343152"/>
-            <a:ext cx="5385594" cy="2062103"/>
-          </a:xfrm>
-          <a:prstGeom prst="rect">
-            <a:avLst/>
-          </a:prstGeom>
-          <a:noFill/>
-        </p:spPr>
-        <p:txBody>
-          <a:bodyPr wrap="square" rtlCol="0">
-            <a:spAutoFit/>
-          </a:bodyPr>
-          <a:lstStyle/>
-          <a:p>
-            <a:pPr marL="514350" indent="-514350">
-              <a:lnSpc>
-                <a:spcPct val="200000"/>
-              </a:lnSpc>
-              <a:buFont typeface="+mj-ea"/>
-              <a:buAutoNum type="ea1JpnChsDbPeriod"/>
-            </a:pPr>
-            <a:r>
-              <a:rPr lang="zh-CN" altLang="en-US" sz="2000" dirty="0">
-                <a:solidFill>
-                  <a:schemeClr val="tx1">
-                    <a:lumMod val="65000"/>
-                    <a:lumOff val="35000"/>
-                  </a:schemeClr>
-                </a:solidFill>
-                <a:latin typeface="微软雅黑" panose="020B0503020204020204" pitchFamily="34" charset="-122"/>
-                <a:ea typeface="微软雅黑" panose="020B0503020204020204" pitchFamily="34" charset="-122"/>
-              </a:rPr>
-              <a:t>事件消息类型</a:t>
-            </a:r>
-            <a:endParaRPr lang="en-US" altLang="zh-CN" sz="2000" dirty="0">
-              <a:solidFill>
-                <a:schemeClr val="tx1">
-                  <a:lumMod val="65000"/>
-                  <a:lumOff val="35000"/>
-                </a:schemeClr>
-              </a:solidFill>
-              <a:latin typeface="微软雅黑" panose="020B0503020204020204" pitchFamily="34" charset="-122"/>
-              <a:ea typeface="微软雅黑" panose="020B0503020204020204" pitchFamily="34" charset="-122"/>
-            </a:endParaRPr>
-          </a:p>
-          <a:p>
-            <a:pPr marL="514350" indent="-514350">
-              <a:lnSpc>
-                <a:spcPct val="200000"/>
-              </a:lnSpc>
-              <a:buFont typeface="+mj-ea"/>
-              <a:buAutoNum type="ea1JpnChsDbPeriod"/>
-            </a:pPr>
-            <a:r>
-              <a:rPr lang="zh-CN" altLang="en-US" sz="2000" dirty="0">
-                <a:solidFill>
-                  <a:schemeClr val="tx1">
-                    <a:lumMod val="65000"/>
-                    <a:lumOff val="35000"/>
-                  </a:schemeClr>
-                </a:solidFill>
-                <a:latin typeface="微软雅黑" panose="020B0503020204020204" pitchFamily="34" charset="-122"/>
-                <a:ea typeface="微软雅黑" panose="020B0503020204020204" pitchFamily="34" charset="-122"/>
-              </a:rPr>
-              <a:t>关注</a:t>
-            </a:r>
-            <a:r>
-              <a:rPr lang="en-US" altLang="zh-CN" sz="2000" dirty="0">
-                <a:solidFill>
-                  <a:schemeClr val="tx1">
-                    <a:lumMod val="65000"/>
-                    <a:lumOff val="35000"/>
-                  </a:schemeClr>
-                </a:solidFill>
-                <a:latin typeface="微软雅黑" panose="020B0503020204020204" pitchFamily="34" charset="-122"/>
-                <a:ea typeface="微软雅黑" panose="020B0503020204020204" pitchFamily="34" charset="-122"/>
-              </a:rPr>
-              <a:t>/</a:t>
-            </a:r>
-            <a:r>
-              <a:rPr lang="zh-CN" altLang="en-US" sz="2000" dirty="0">
-                <a:solidFill>
-                  <a:schemeClr val="tx1">
-                    <a:lumMod val="65000"/>
-                    <a:lumOff val="35000"/>
-                  </a:schemeClr>
-                </a:solidFill>
-                <a:latin typeface="微软雅黑" panose="020B0503020204020204" pitchFamily="34" charset="-122"/>
-                <a:ea typeface="微软雅黑" panose="020B0503020204020204" pitchFamily="34" charset="-122"/>
-              </a:rPr>
-              <a:t>取消关注事件</a:t>
-            </a:r>
-            <a:endParaRPr lang="en-US" altLang="zh-CN" sz="2000" dirty="0">
-              <a:solidFill>
-                <a:schemeClr val="tx1">
-                  <a:lumMod val="65000"/>
-                  <a:lumOff val="35000"/>
-                </a:schemeClr>
-              </a:solidFill>
-              <a:latin typeface="微软雅黑" panose="020B0503020204020204" pitchFamily="34" charset="-122"/>
-              <a:ea typeface="微软雅黑" panose="020B0503020204020204" pitchFamily="34" charset="-122"/>
-            </a:endParaRPr>
-          </a:p>
-          <a:p>
-            <a:pPr marL="514350" indent="-514350">
-              <a:lnSpc>
-                <a:spcPct val="200000"/>
-              </a:lnSpc>
-              <a:buFont typeface="+mj-ea"/>
-              <a:buAutoNum type="ea1JpnChsDbPeriod"/>
-            </a:pPr>
-            <a:r>
-              <a:rPr lang="zh-CN" altLang="en-US" sz="2400" dirty="0">
-                <a:solidFill>
-                  <a:schemeClr val="accent6">
-                    <a:lumMod val="75000"/>
-                  </a:schemeClr>
-                </a:solidFill>
-                <a:latin typeface="微软雅黑" panose="020B0503020204020204" pitchFamily="34" charset="-122"/>
-                <a:ea typeface="微软雅黑" panose="020B0503020204020204" pitchFamily="34" charset="-122"/>
-              </a:rPr>
-              <a:t>扫描二维码与地理位置事件</a:t>
-            </a:r>
-            <a:endParaRPr lang="en-US" altLang="zh-CN" sz="2400" dirty="0">
-              <a:solidFill>
-                <a:schemeClr val="accent6">
-                  <a:lumMod val="75000"/>
-                </a:schemeClr>
-              </a:solidFill>
-              <a:latin typeface="微软雅黑" panose="020B0503020204020204" pitchFamily="34" charset="-122"/>
-              <a:ea typeface="微软雅黑" panose="020B0503020204020204" pitchFamily="34" charset="-122"/>
-            </a:endParaRPr>
-          </a:p>
-        </p:txBody>
-      </p:sp>
-    </p:spTree>
-    <p:extLst>
-      <p:ext uri="{BB962C8B-B14F-4D97-AF65-F5344CB8AC3E}">
-        <p14:creationId xmlns:p14="http://schemas.microsoft.com/office/powerpoint/2010/main" val="1928010297"/>
-      </p:ext>
-    </p:extLst>
-  </p:cSld>
-  <p:clrMapOvr>
-    <a:masterClrMapping/>
-  </p:clrMapOvr>
 </p:sld>
 </file>
 
@@ -12901,20 +12855,378 @@
             <p:ph sz="quarter" idx="13"/>
           </p:nvPr>
         </p:nvSpPr>
-        <p:spPr/>
+        <p:spPr>
+          <a:xfrm>
+            <a:off x="1054100" y="543636"/>
+            <a:ext cx="5818188" cy="685800"/>
+          </a:xfrm>
+        </p:spPr>
         <p:txBody>
           <a:bodyPr/>
           <a:lstStyle/>
           <a:p>
             <a:r>
-              <a:rPr lang="en-US" altLang="zh-CN" dirty="0" smtClean="0"/>
+              <a:rPr lang="zh-CN" altLang="en-US" b="0" dirty="0"/>
+              <a:t>取消关注的事件</a:t>
+            </a:r>
+          </a:p>
+        </p:txBody>
+      </p:sp>
+      <p:sp>
+        <p:nvSpPr>
+          <p:cNvPr id="4" name="文本框 3"/>
+          <p:cNvSpPr txBox="1"/>
+          <p:nvPr/>
+        </p:nvSpPr>
+        <p:spPr>
+          <a:xfrm>
+            <a:off x="1054099" y="1657350"/>
+            <a:ext cx="8975725" cy="1843903"/>
+          </a:xfrm>
+          <a:prstGeom prst="rect">
+            <a:avLst/>
+          </a:prstGeom>
+          <a:noFill/>
+        </p:spPr>
+        <p:txBody>
+          <a:bodyPr wrap="square" rtlCol="0">
+            <a:spAutoFit/>
+          </a:bodyPr>
+          <a:lstStyle/>
+          <a:p>
+            <a:pPr marL="285750" indent="-285750">
+              <a:lnSpc>
+                <a:spcPct val="150000"/>
+              </a:lnSpc>
+              <a:buFont typeface="Arial" panose="020B0604020202020204" pitchFamily="34" charset="0"/>
+              <a:buChar char="•"/>
+            </a:pPr>
+            <a:r>
+              <a:rPr lang="zh-CN" altLang="en-US" sz="2000" dirty="0">
+                <a:latin typeface="微软雅黑" panose="020B0503020204020204" pitchFamily="34" charset="-122"/>
+                <a:ea typeface="微软雅黑" panose="020B0503020204020204" pitchFamily="34" charset="-122"/>
+              </a:rPr>
+              <a:t>取消关注公众号的事件，微信服务器会发送取消关注的事件通知到开发者服务器，</a:t>
+            </a:r>
+            <a:r>
+              <a:rPr lang="en-US" altLang="zh-CN" sz="2000" dirty="0">
+                <a:latin typeface="微软雅黑" panose="020B0503020204020204" pitchFamily="34" charset="-122"/>
+                <a:ea typeface="微软雅黑" panose="020B0503020204020204" pitchFamily="34" charset="-122"/>
+              </a:rPr>
+              <a:t>Event</a:t>
+            </a:r>
+            <a:r>
+              <a:rPr lang="zh-CN" altLang="en-US" sz="2000" dirty="0">
+                <a:latin typeface="微软雅黑" panose="020B0503020204020204" pitchFamily="34" charset="-122"/>
+                <a:ea typeface="微软雅黑" panose="020B0503020204020204" pitchFamily="34" charset="-122"/>
+              </a:rPr>
+              <a:t>值为</a:t>
+            </a:r>
+            <a:r>
+              <a:rPr lang="en-US" altLang="zh-CN" sz="2000" dirty="0">
+                <a:latin typeface="微软雅黑" panose="020B0503020204020204" pitchFamily="34" charset="-122"/>
+                <a:ea typeface="微软雅黑" panose="020B0503020204020204" pitchFamily="34" charset="-122"/>
+              </a:rPr>
+              <a:t>unsubscribe</a:t>
+            </a:r>
+            <a:r>
+              <a:rPr lang="zh-CN" altLang="en-US" sz="2000" dirty="0">
+                <a:latin typeface="微软雅黑" panose="020B0503020204020204" pitchFamily="34" charset="-122"/>
+                <a:ea typeface="微软雅黑" panose="020B0503020204020204" pitchFamily="34" charset="-122"/>
+              </a:rPr>
+              <a:t>。</a:t>
+            </a:r>
+            <a:endParaRPr lang="en-US" altLang="zh-CN" sz="2000" dirty="0">
+              <a:latin typeface="微软雅黑" panose="020B0503020204020204" pitchFamily="34" charset="-122"/>
+              <a:ea typeface="微软雅黑" panose="020B0503020204020204" pitchFamily="34" charset="-122"/>
+            </a:endParaRPr>
+          </a:p>
+          <a:p>
+            <a:pPr marL="285750" indent="-285750">
+              <a:lnSpc>
+                <a:spcPct val="150000"/>
+              </a:lnSpc>
+              <a:buFont typeface="Arial" panose="020B0604020202020204" pitchFamily="34" charset="0"/>
+              <a:buChar char="•"/>
+            </a:pPr>
+            <a:r>
+              <a:rPr lang="zh-CN" altLang="en-US" sz="2000" dirty="0">
+                <a:latin typeface="微软雅黑" panose="020B0503020204020204" pitchFamily="34" charset="-122"/>
+                <a:ea typeface="微软雅黑" panose="020B0503020204020204" pitchFamily="34" charset="-122"/>
+              </a:rPr>
+              <a:t>取消关注是不能回复消息的。</a:t>
+            </a:r>
+            <a:endParaRPr lang="en-US" altLang="zh-CN" sz="2000" dirty="0">
+              <a:latin typeface="微软雅黑" panose="020B0503020204020204" pitchFamily="34" charset="-122"/>
+              <a:ea typeface="微软雅黑" panose="020B0503020204020204" pitchFamily="34" charset="-122"/>
+            </a:endParaRPr>
+          </a:p>
+          <a:p>
+            <a:pPr lvl="1">
+              <a:lnSpc>
+                <a:spcPct val="150000"/>
+              </a:lnSpc>
+            </a:pPr>
+            <a:endParaRPr lang="en-US" altLang="zh-CN" dirty="0">
+              <a:latin typeface="微软雅黑" panose="020B0503020204020204" pitchFamily="34" charset="-122"/>
+              <a:ea typeface="微软雅黑" panose="020B0503020204020204" pitchFamily="34" charset="-122"/>
+            </a:endParaRPr>
+          </a:p>
+        </p:txBody>
+      </p:sp>
+    </p:spTree>
+    <p:extLst>
+      <p:ext uri="{BB962C8B-B14F-4D97-AF65-F5344CB8AC3E}">
+        <p14:creationId xmlns:p14="http://schemas.microsoft.com/office/powerpoint/2010/main" val="2902273865"/>
+      </p:ext>
+    </p:extLst>
+  </p:cSld>
+  <p:clrMapOvr>
+    <a:masterClrMapping/>
+  </p:clrMapOvr>
+</p:sld>
+</file>
+
+<file path=ppt/slides/slide14.xml><?xml version="1.0" encoding="utf-8"?>
+<p:sld xmlns:a="http://schemas.openxmlformats.org/drawingml/2006/main" xmlns:r="http://schemas.openxmlformats.org/officeDocument/2006/relationships" xmlns:p="http://schemas.openxmlformats.org/presentationml/2006/main">
+  <p:cSld>
+    <p:spTree>
+      <p:nvGrpSpPr>
+        <p:cNvPr id="1" name=""/>
+        <p:cNvGrpSpPr/>
+        <p:nvPr/>
+      </p:nvGrpSpPr>
+      <p:grpSpPr>
+        <a:xfrm>
+          <a:off x="0" y="0"/>
+          <a:ext cx="0" cy="0"/>
+          <a:chOff x="0" y="0"/>
+          <a:chExt cx="0" cy="0"/>
+        </a:xfrm>
+      </p:grpSpPr>
+      <p:sp>
+        <p:nvSpPr>
+          <p:cNvPr id="2" name="内容占位符 1"/>
+          <p:cNvSpPr>
+            <a:spLocks noGrp="1"/>
+          </p:cNvSpPr>
+          <p:nvPr>
+            <p:ph sz="quarter" idx="13"/>
+          </p:nvPr>
+        </p:nvSpPr>
+        <p:spPr>
+          <a:xfrm>
+            <a:off x="1054100" y="543636"/>
+            <a:ext cx="7304088" cy="685800"/>
+          </a:xfrm>
+        </p:spPr>
+        <p:txBody>
+          <a:bodyPr/>
+          <a:lstStyle/>
+          <a:p>
+            <a:r>
+              <a:rPr lang="zh-CN" altLang="en-US" b="0" dirty="0"/>
+              <a:t>第三讲</a:t>
+            </a:r>
+          </a:p>
+        </p:txBody>
+      </p:sp>
+      <p:sp>
+        <p:nvSpPr>
+          <p:cNvPr id="5" name="文本框 4"/>
+          <p:cNvSpPr txBox="1"/>
+          <p:nvPr/>
+        </p:nvSpPr>
+        <p:spPr>
+          <a:xfrm>
+            <a:off x="4058444" y="2343152"/>
+            <a:ext cx="5385594" cy="1950662"/>
+          </a:xfrm>
+          <a:prstGeom prst="rect">
+            <a:avLst/>
+          </a:prstGeom>
+          <a:noFill/>
+        </p:spPr>
+        <p:txBody>
+          <a:bodyPr wrap="square" rtlCol="0">
+            <a:spAutoFit/>
+          </a:bodyPr>
+          <a:lstStyle/>
+          <a:p>
+            <a:pPr marL="514350" indent="-514350">
+              <a:lnSpc>
+                <a:spcPct val="200000"/>
+              </a:lnSpc>
+              <a:buFont typeface="+mj-ea"/>
+              <a:buAutoNum type="ea1JpnChsDbPeriod"/>
+            </a:pPr>
+            <a:r>
+              <a:rPr lang="zh-CN" altLang="en-US" sz="2000" dirty="0">
+                <a:solidFill>
+                  <a:schemeClr val="tx1">
+                    <a:lumMod val="65000"/>
+                    <a:lumOff val="35000"/>
+                  </a:schemeClr>
+                </a:solidFill>
+                <a:latin typeface="微软雅黑" panose="020B0503020204020204" pitchFamily="34" charset="-122"/>
+                <a:ea typeface="微软雅黑" panose="020B0503020204020204" pitchFamily="34" charset="-122"/>
+              </a:rPr>
+              <a:t>菜单事件</a:t>
+            </a:r>
+            <a:endParaRPr lang="en-US" altLang="zh-CN" sz="2000" dirty="0">
+              <a:solidFill>
+                <a:schemeClr val="tx1">
+                  <a:lumMod val="65000"/>
+                  <a:lumOff val="35000"/>
+                </a:schemeClr>
+              </a:solidFill>
+              <a:latin typeface="微软雅黑" panose="020B0503020204020204" pitchFamily="34" charset="-122"/>
+              <a:ea typeface="微软雅黑" panose="020B0503020204020204" pitchFamily="34" charset="-122"/>
+            </a:endParaRPr>
+          </a:p>
+          <a:p>
+            <a:pPr marL="514350" indent="-514350">
+              <a:lnSpc>
+                <a:spcPct val="200000"/>
+              </a:lnSpc>
+              <a:buFont typeface="+mj-ea"/>
+              <a:buAutoNum type="ea1JpnChsDbPeriod"/>
+            </a:pPr>
+            <a:r>
+              <a:rPr lang="zh-CN" altLang="en-US" sz="2000" dirty="0">
+                <a:solidFill>
+                  <a:schemeClr val="tx1">
+                    <a:lumMod val="65000"/>
+                    <a:lumOff val="35000"/>
+                  </a:schemeClr>
+                </a:solidFill>
+                <a:latin typeface="微软雅黑" panose="020B0503020204020204" pitchFamily="34" charset="-122"/>
+                <a:ea typeface="微软雅黑" panose="020B0503020204020204" pitchFamily="34" charset="-122"/>
+              </a:rPr>
+              <a:t>关注</a:t>
+            </a:r>
+            <a:r>
+              <a:rPr lang="en-US" altLang="zh-CN" sz="2000" dirty="0">
+                <a:solidFill>
+                  <a:schemeClr val="tx1">
+                    <a:lumMod val="65000"/>
+                    <a:lumOff val="35000"/>
+                  </a:schemeClr>
+                </a:solidFill>
+                <a:latin typeface="微软雅黑" panose="020B0503020204020204" pitchFamily="34" charset="-122"/>
+                <a:ea typeface="微软雅黑" panose="020B0503020204020204" pitchFamily="34" charset="-122"/>
+              </a:rPr>
+              <a:t>/</a:t>
+            </a:r>
+            <a:r>
+              <a:rPr lang="zh-CN" altLang="en-US" sz="2000" dirty="0">
+                <a:solidFill>
+                  <a:schemeClr val="tx1">
+                    <a:lumMod val="65000"/>
+                    <a:lumOff val="35000"/>
+                  </a:schemeClr>
+                </a:solidFill>
+                <a:latin typeface="微软雅黑" panose="020B0503020204020204" pitchFamily="34" charset="-122"/>
+                <a:ea typeface="微软雅黑" panose="020B0503020204020204" pitchFamily="34" charset="-122"/>
+              </a:rPr>
+              <a:t>取消关注事件</a:t>
+            </a:r>
+            <a:endParaRPr lang="en-US" altLang="zh-CN" sz="2000" dirty="0">
+              <a:solidFill>
+                <a:schemeClr val="tx1">
+                  <a:lumMod val="65000"/>
+                  <a:lumOff val="35000"/>
+                </a:schemeClr>
+              </a:solidFill>
+              <a:latin typeface="微软雅黑" panose="020B0503020204020204" pitchFamily="34" charset="-122"/>
+              <a:ea typeface="微软雅黑" panose="020B0503020204020204" pitchFamily="34" charset="-122"/>
+            </a:endParaRPr>
+          </a:p>
+          <a:p>
+            <a:pPr marL="514350" indent="-514350">
+              <a:lnSpc>
+                <a:spcPct val="200000"/>
+              </a:lnSpc>
+              <a:buFont typeface="+mj-ea"/>
+              <a:buAutoNum type="ea1JpnChsDbPeriod"/>
+            </a:pPr>
+            <a:r>
+              <a:rPr lang="zh-CN" altLang="en-US" sz="2400" dirty="0">
+                <a:solidFill>
+                  <a:schemeClr val="accent6">
+                    <a:lumMod val="75000"/>
+                  </a:schemeClr>
+                </a:solidFill>
+                <a:latin typeface="微软雅黑" panose="020B0503020204020204" pitchFamily="34" charset="-122"/>
+                <a:ea typeface="微软雅黑" panose="020B0503020204020204" pitchFamily="34" charset="-122"/>
+              </a:rPr>
+              <a:t>扫描二维码与地理位置事件</a:t>
+            </a:r>
+            <a:endParaRPr lang="en-US" altLang="zh-CN" sz="2400" dirty="0">
+              <a:solidFill>
+                <a:schemeClr val="accent6">
+                  <a:lumMod val="75000"/>
+                </a:schemeClr>
+              </a:solidFill>
+              <a:latin typeface="微软雅黑" panose="020B0503020204020204" pitchFamily="34" charset="-122"/>
+              <a:ea typeface="微软雅黑" panose="020B0503020204020204" pitchFamily="34" charset="-122"/>
+            </a:endParaRPr>
+          </a:p>
+        </p:txBody>
+      </p:sp>
+    </p:spTree>
+    <p:extLst>
+      <p:ext uri="{BB962C8B-B14F-4D97-AF65-F5344CB8AC3E}">
+        <p14:creationId xmlns:p14="http://schemas.microsoft.com/office/powerpoint/2010/main" val="1928010297"/>
+      </p:ext>
+    </p:extLst>
+  </p:cSld>
+  <p:clrMapOvr>
+    <a:masterClrMapping/>
+  </p:clrMapOvr>
+</p:sld>
+</file>
+
+<file path=ppt/slides/slide15.xml><?xml version="1.0" encoding="utf-8"?>
+<p:sld xmlns:a="http://schemas.openxmlformats.org/drawingml/2006/main" xmlns:r="http://schemas.openxmlformats.org/officeDocument/2006/relationships" xmlns:p="http://schemas.openxmlformats.org/presentationml/2006/main">
+  <p:cSld>
+    <p:spTree>
+      <p:nvGrpSpPr>
+        <p:cNvPr id="1" name=""/>
+        <p:cNvGrpSpPr/>
+        <p:nvPr/>
+      </p:nvGrpSpPr>
+      <p:grpSpPr>
+        <a:xfrm>
+          <a:off x="0" y="0"/>
+          <a:ext cx="0" cy="0"/>
+          <a:chOff x="0" y="0"/>
+          <a:chExt cx="0" cy="0"/>
+        </a:xfrm>
+      </p:grpSpPr>
+      <p:sp>
+        <p:nvSpPr>
+          <p:cNvPr id="2" name="内容占位符 1"/>
+          <p:cNvSpPr>
+            <a:spLocks noGrp="1"/>
+          </p:cNvSpPr>
+          <p:nvPr>
+            <p:ph sz="quarter" idx="13"/>
+          </p:nvPr>
+        </p:nvSpPr>
+        <p:spPr/>
+        <p:txBody>
+          <a:bodyPr/>
+          <a:lstStyle/>
+          <a:p>
+            <a:r>
+              <a:rPr lang="en-US" altLang="zh-CN" dirty="0"/>
               <a:t>IP</a:t>
             </a:r>
             <a:r>
-              <a:rPr lang="zh-CN" altLang="en-US" dirty="0" smtClean="0"/>
+              <a:rPr lang="zh-CN" altLang="en-US" dirty="0"/>
               <a:t>白名单</a:t>
             </a:r>
-            <a:endParaRPr lang="zh-CN" altLang="en-US" dirty="0"/>
           </a:p>
         </p:txBody>
       </p:sp>
@@ -12948,27 +13260,27 @@
               <a:buChar char="•"/>
             </a:pPr>
             <a:r>
-              <a:rPr lang="zh-CN" altLang="en-US" sz="2000" dirty="0" smtClean="0">
+              <a:rPr lang="zh-CN" altLang="en-US" sz="2000" dirty="0">
                 <a:latin typeface="微软雅黑" panose="020B0503020204020204" pitchFamily="34" charset="-122"/>
                 <a:ea typeface="微软雅黑" panose="020B0503020204020204" pitchFamily="34" charset="-122"/>
               </a:rPr>
               <a:t>调用接口以前需要先把开发者服务器的</a:t>
             </a:r>
             <a:r>
-              <a:rPr lang="en-US" altLang="zh-CN" sz="2000" dirty="0" smtClean="0">
+              <a:rPr lang="en-US" altLang="zh-CN" sz="2000" dirty="0">
                 <a:latin typeface="微软雅黑" panose="020B0503020204020204" pitchFamily="34" charset="-122"/>
                 <a:ea typeface="微软雅黑" panose="020B0503020204020204" pitchFamily="34" charset="-122"/>
               </a:rPr>
               <a:t>IP</a:t>
             </a:r>
             <a:r>
-              <a:rPr lang="zh-CN" altLang="en-US" sz="2000" dirty="0" smtClean="0">
+              <a:rPr lang="zh-CN" altLang="en-US" sz="2000" dirty="0">
                 <a:latin typeface="微软雅黑" panose="020B0503020204020204" pitchFamily="34" charset="-122"/>
                 <a:ea typeface="微软雅黑" panose="020B0503020204020204" pitchFamily="34" charset="-122"/>
               </a:rPr>
               <a:t>地址加入白名单列表</a:t>
             </a:r>
-            <a:endParaRPr lang="en-US" altLang="zh-CN" sz="2000" dirty="0" smtClean="0">
+            <a:endParaRPr lang="en-US" altLang="zh-CN" sz="2000" dirty="0">
               <a:latin typeface="微软雅黑" panose="020B0503020204020204" pitchFamily="34" charset="-122"/>
               <a:ea typeface="微软雅黑" panose="020B0503020204020204" pitchFamily="34" charset="-122"/>
             </a:endParaRPr>
@@ -12982,27 +13294,27 @@
               <a:buChar char="•"/>
             </a:pPr>
             <a:r>
-              <a:rPr lang="zh-CN" altLang="en-US" sz="2000" dirty="0" smtClean="0">
+              <a:rPr lang="zh-CN" altLang="en-US" sz="2000" dirty="0">
                 <a:latin typeface="微软雅黑" panose="020B0503020204020204" pitchFamily="34" charset="-122"/>
                 <a:ea typeface="微软雅黑" panose="020B0503020204020204" pitchFamily="34" charset="-122"/>
               </a:rPr>
               <a:t>如果在本地测试，则把本地所在公网</a:t>
             </a:r>
             <a:r>
-              <a:rPr lang="en-US" altLang="zh-CN" sz="2000" dirty="0" smtClean="0">
+              <a:rPr lang="en-US" altLang="zh-CN" sz="2000" dirty="0">
                 <a:latin typeface="微软雅黑" panose="020B0503020204020204" pitchFamily="34" charset="-122"/>
                 <a:ea typeface="微软雅黑" panose="020B0503020204020204" pitchFamily="34" charset="-122"/>
               </a:rPr>
               <a:t>IP</a:t>
             </a:r>
             <a:r>
-              <a:rPr lang="zh-CN" altLang="en-US" sz="2000" dirty="0" smtClean="0">
+              <a:rPr lang="zh-CN" altLang="en-US" sz="2000" dirty="0">
                 <a:latin typeface="微软雅黑" panose="020B0503020204020204" pitchFamily="34" charset="-122"/>
                 <a:ea typeface="微软雅黑" panose="020B0503020204020204" pitchFamily="34" charset="-122"/>
               </a:rPr>
               <a:t>也加入到白名单</a:t>
             </a:r>
-            <a:endParaRPr lang="en-US" altLang="zh-CN" sz="2000" dirty="0" smtClean="0">
+            <a:endParaRPr lang="en-US" altLang="zh-CN" sz="2000" dirty="0">
               <a:latin typeface="微软雅黑" panose="020B0503020204020204" pitchFamily="34" charset="-122"/>
               <a:ea typeface="微软雅黑" panose="020B0503020204020204" pitchFamily="34" charset="-122"/>
             </a:endParaRPr>
@@ -13020,16 +13332,9 @@
                 <a:latin typeface="微软雅黑" panose="020B0503020204020204" pitchFamily="34" charset="-122"/>
                 <a:ea typeface="微软雅黑" panose="020B0503020204020204" pitchFamily="34" charset="-122"/>
               </a:rPr>
-              <a:t>不</a:t>
-            </a:r>
-            <a:r>
-              <a:rPr lang="zh-CN" altLang="en-US" sz="2000" dirty="0" smtClean="0">
-                <a:latin typeface="微软雅黑" panose="020B0503020204020204" pitchFamily="34" charset="-122"/>
-                <a:ea typeface="微软雅黑" panose="020B0503020204020204" pitchFamily="34" charset="-122"/>
-              </a:rPr>
-              <a:t>加入白名单，调用接口会失败</a:t>
-            </a:r>
-            <a:endParaRPr lang="en-US" altLang="zh-CN" sz="2000" dirty="0" smtClean="0">
+              <a:t>不加入白名单，调用接口会失败</a:t>
+            </a:r>
+            <a:endParaRPr lang="en-US" altLang="zh-CN" sz="2000" dirty="0">
               <a:latin typeface="微软雅黑" panose="020B0503020204020204" pitchFamily="34" charset="-122"/>
               <a:ea typeface="微软雅黑" panose="020B0503020204020204" pitchFamily="34" charset="-122"/>
             </a:endParaRPr>
@@ -13047,16 +13352,9 @@
                 <a:latin typeface="微软雅黑" panose="020B0503020204020204" pitchFamily="34" charset="-122"/>
                 <a:ea typeface="微软雅黑" panose="020B0503020204020204" pitchFamily="34" charset="-122"/>
               </a:rPr>
-              <a:t>白名单</a:t>
-            </a:r>
-            <a:r>
-              <a:rPr lang="zh-CN" altLang="en-US" sz="2000" dirty="0" smtClean="0">
-                <a:latin typeface="微软雅黑" panose="020B0503020204020204" pitchFamily="34" charset="-122"/>
-                <a:ea typeface="微软雅黑" panose="020B0503020204020204" pitchFamily="34" charset="-122"/>
-              </a:rPr>
-              <a:t>机制是为了安全性考虑</a:t>
-            </a:r>
-            <a:endParaRPr lang="en-US" altLang="zh-CN" sz="2000" dirty="0" smtClean="0">
+              <a:t>白名单机制是为了安全性考虑</a:t>
+            </a:r>
+            <a:endParaRPr lang="en-US" altLang="zh-CN" sz="2000" dirty="0">
               <a:latin typeface="微软雅黑" panose="020B0503020204020204" pitchFamily="34" charset="-122"/>
               <a:ea typeface="微软雅黑" panose="020B0503020204020204" pitchFamily="34" charset="-122"/>
             </a:endParaRPr>
@@ -13109,10 +13407,9 @@
           <a:lstStyle/>
           <a:p>
             <a:r>
-              <a:rPr lang="zh-CN" altLang="en-US" b="0" dirty="0" smtClean="0"/>
+              <a:rPr lang="zh-CN" altLang="en-US" b="0" dirty="0"/>
               <a:t>本次课程目录</a:t>
             </a:r>
-            <a:endParaRPr lang="zh-CN" altLang="en-US" b="0" dirty="0"/>
           </a:p>
         </p:txBody>
       </p:sp>
@@ -13125,7 +13422,7 @@
         <p:spPr>
           <a:xfrm>
             <a:off x="4058444" y="2343152"/>
-            <a:ext cx="5385594" cy="2308324"/>
+            <a:ext cx="5385594" cy="2196883"/>
           </a:xfrm>
           <a:prstGeom prst="rect">
             <a:avLst/>
@@ -13146,7 +13443,7 @@
               <a:buAutoNum type="ea1JpnChsDbPeriod"/>
             </a:pPr>
             <a:r>
-              <a:rPr lang="zh-CN" altLang="en-US" sz="2400" dirty="0" smtClean="0">
+              <a:rPr lang="zh-CN" altLang="en-US" sz="2400" dirty="0">
                 <a:solidFill>
                   <a:schemeClr val="tx1">
                     <a:lumMod val="65000"/>
@@ -13156,7 +13453,7 @@
                 <a:latin typeface="微软雅黑" panose="020B0503020204020204" pitchFamily="34" charset="-122"/>
                 <a:ea typeface="微软雅黑" panose="020B0503020204020204" pitchFamily="34" charset="-122"/>
               </a:rPr>
-              <a:t>事件消息类型</a:t>
+              <a:t>菜单事件</a:t>
             </a:r>
             <a:endParaRPr lang="en-US" altLang="zh-CN" sz="2400" dirty="0">
               <a:solidFill>
@@ -13178,7 +13475,7 @@
               <a:buAutoNum type="ea1JpnChsDbPeriod"/>
             </a:pPr>
             <a:r>
-              <a:rPr lang="zh-CN" altLang="en-US" sz="2400" dirty="0" smtClean="0">
+              <a:rPr lang="zh-CN" altLang="en-US" sz="2400" dirty="0">
                 <a:solidFill>
                   <a:schemeClr val="tx1">
                     <a:lumMod val="65000"/>
@@ -13191,7 +13488,7 @@
               <a:t>关注</a:t>
             </a:r>
             <a:r>
-              <a:rPr lang="en-US" altLang="zh-CN" sz="2400" dirty="0" smtClean="0">
+              <a:rPr lang="en-US" altLang="zh-CN" sz="2400" dirty="0">
                 <a:solidFill>
                   <a:schemeClr val="tx1">
                     <a:lumMod val="65000"/>
@@ -13204,7 +13501,7 @@
               <a:t>/</a:t>
             </a:r>
             <a:r>
-              <a:rPr lang="zh-CN" altLang="en-US" sz="2400" dirty="0" smtClean="0">
+              <a:rPr lang="zh-CN" altLang="en-US" sz="2400" dirty="0">
                 <a:solidFill>
                   <a:schemeClr val="tx1">
                     <a:lumMod val="65000"/>
@@ -13236,7 +13533,7 @@
               <a:buAutoNum type="ea1JpnChsDbPeriod"/>
             </a:pPr>
             <a:r>
-              <a:rPr lang="zh-CN" altLang="en-US" sz="2400" dirty="0" smtClean="0">
+              <a:rPr lang="zh-CN" altLang="en-US" sz="2400" dirty="0">
                 <a:solidFill>
                   <a:schemeClr val="tx1">
                     <a:lumMod val="65000"/>
@@ -13271,13 +13568,6 @@
   <p:clrMapOvr>
     <a:masterClrMapping/>
   </p:clrMapOvr>
-  <p:timing>
-    <p:tnLst>
-      <p:par>
-        <p:cTn id="1" dur="indefinite" restart="never" nodeType="tmRoot"/>
-      </p:par>
-    </p:tnLst>
-  </p:timing>
 </p:sld>
 </file>
 
@@ -13314,10 +13604,9 @@
           <a:lstStyle/>
           <a:p>
             <a:r>
-              <a:rPr lang="zh-CN" altLang="en-US" b="0" dirty="0" smtClean="0"/>
+              <a:rPr lang="zh-CN" altLang="en-US" b="0" dirty="0"/>
               <a:t>课程概要</a:t>
             </a:r>
-            <a:endParaRPr lang="zh-CN" altLang="en-US" b="0" dirty="0"/>
           </a:p>
         </p:txBody>
       </p:sp>
@@ -13372,10 +13661,9 @@
           <a:lstStyle/>
           <a:p>
             <a:r>
-              <a:rPr lang="zh-CN" altLang="en-US" b="0" dirty="0" smtClean="0"/>
+              <a:rPr lang="zh-CN" altLang="en-US" b="0" dirty="0"/>
               <a:t>第一节</a:t>
             </a:r>
-            <a:endParaRPr lang="zh-CN" altLang="en-US" b="0" dirty="0"/>
           </a:p>
         </p:txBody>
       </p:sp>
@@ -13388,7 +13676,7 @@
         <p:spPr>
           <a:xfrm>
             <a:off x="4058444" y="2343152"/>
-            <a:ext cx="5385594" cy="2062103"/>
+            <a:ext cx="5385594" cy="1969257"/>
           </a:xfrm>
           <a:prstGeom prst="rect">
             <a:avLst/>
@@ -13409,7 +13697,7 @@
               <a:buAutoNum type="ea1JpnChsDbPeriod"/>
             </a:pPr>
             <a:r>
-              <a:rPr lang="zh-CN" altLang="en-US" sz="2400" dirty="0" smtClean="0">
+              <a:rPr lang="zh-CN" altLang="en-US" sz="2400" dirty="0">
                 <a:solidFill>
                   <a:schemeClr val="accent6">
                     <a:lumMod val="75000"/>
@@ -13418,7 +13706,7 @@
                 <a:latin typeface="微软雅黑" panose="020B0503020204020204" pitchFamily="34" charset="-122"/>
                 <a:ea typeface="微软雅黑" panose="020B0503020204020204" pitchFamily="34" charset="-122"/>
               </a:rPr>
-              <a:t>事件消息类型</a:t>
+              <a:t>菜单事件</a:t>
             </a:r>
             <a:endParaRPr lang="en-US" altLang="zh-CN" sz="2400" dirty="0">
               <a:solidFill>
@@ -13439,7 +13727,7 @@
               <a:buAutoNum type="ea1JpnChsDbPeriod"/>
             </a:pPr>
             <a:r>
-              <a:rPr lang="zh-CN" altLang="en-US" sz="2000" dirty="0" smtClean="0">
+              <a:rPr lang="zh-CN" altLang="en-US" sz="2000" dirty="0">
                 <a:solidFill>
                   <a:schemeClr val="tx1">
                     <a:lumMod val="65000"/>
@@ -13452,7 +13740,7 @@
               <a:t>关注</a:t>
             </a:r>
             <a:r>
-              <a:rPr lang="en-US" altLang="zh-CN" sz="2000" dirty="0" smtClean="0">
+              <a:rPr lang="en-US" altLang="zh-CN" sz="2000" dirty="0">
                 <a:solidFill>
                   <a:schemeClr val="tx1">
                     <a:lumMod val="65000"/>
@@ -13465,7 +13753,7 @@
               <a:t>/</a:t>
             </a:r>
             <a:r>
-              <a:rPr lang="zh-CN" altLang="en-US" sz="2000" dirty="0" smtClean="0">
+              <a:rPr lang="zh-CN" altLang="en-US" sz="2000" dirty="0">
                 <a:solidFill>
                   <a:schemeClr val="tx1">
                     <a:lumMod val="65000"/>
@@ -13497,7 +13785,7 @@
               <a:buAutoNum type="ea1JpnChsDbPeriod"/>
             </a:pPr>
             <a:r>
-              <a:rPr lang="zh-CN" altLang="en-US" sz="2000" dirty="0" smtClean="0">
+              <a:rPr lang="zh-CN" altLang="en-US" sz="2000" dirty="0">
                 <a:solidFill>
                   <a:schemeClr val="tx1">
                     <a:lumMod val="65000"/>
@@ -13569,13 +13857,8 @@
           <a:p>
             <a:r>
               <a:rPr lang="zh-CN" altLang="en-US" b="0" dirty="0"/>
-              <a:t>微</a:t>
-            </a:r>
-            <a:r>
-              <a:rPr lang="zh-CN" altLang="en-US" b="0" dirty="0" smtClean="0"/>
-              <a:t>信事件消息类型</a:t>
-            </a:r>
-            <a:endParaRPr lang="zh-CN" altLang="en-US" b="0" dirty="0"/>
+              <a:t>微信事件消息类型</a:t>
+            </a:r>
           </a:p>
         </p:txBody>
       </p:sp>
@@ -13609,27 +13892,27 @@
               <a:buChar char="•"/>
             </a:pPr>
             <a:r>
-              <a:rPr lang="zh-CN" altLang="en-US" sz="2000" dirty="0" smtClean="0">
+              <a:rPr lang="zh-CN" altLang="en-US" sz="2000" dirty="0">
                 <a:latin typeface="微软雅黑" panose="020B0503020204020204" pitchFamily="34" charset="-122"/>
                 <a:ea typeface="微软雅黑" panose="020B0503020204020204" pitchFamily="34" charset="-122"/>
               </a:rPr>
               <a:t>关注</a:t>
             </a:r>
             <a:r>
-              <a:rPr lang="en-US" altLang="zh-CN" sz="2000" dirty="0" smtClean="0">
+              <a:rPr lang="en-US" altLang="zh-CN" sz="2000" dirty="0">
                 <a:latin typeface="微软雅黑" panose="020B0503020204020204" pitchFamily="34" charset="-122"/>
                 <a:ea typeface="微软雅黑" panose="020B0503020204020204" pitchFamily="34" charset="-122"/>
               </a:rPr>
               <a:t>/</a:t>
             </a:r>
             <a:r>
-              <a:rPr lang="zh-CN" altLang="en-US" sz="2000" dirty="0" smtClean="0">
+              <a:rPr lang="zh-CN" altLang="en-US" sz="2000" dirty="0">
                 <a:latin typeface="微软雅黑" panose="020B0503020204020204" pitchFamily="34" charset="-122"/>
                 <a:ea typeface="微软雅黑" panose="020B0503020204020204" pitchFamily="34" charset="-122"/>
               </a:rPr>
               <a:t>取消事件</a:t>
             </a:r>
-            <a:endParaRPr lang="en-US" altLang="zh-CN" sz="2000" dirty="0" smtClean="0">
+            <a:endParaRPr lang="en-US" altLang="zh-CN" sz="2000" dirty="0">
               <a:latin typeface="微软雅黑" panose="020B0503020204020204" pitchFamily="34" charset="-122"/>
               <a:ea typeface="微软雅黑" panose="020B0503020204020204" pitchFamily="34" charset="-122"/>
             </a:endParaRPr>
@@ -13643,13 +13926,13 @@
               <a:buChar char="•"/>
             </a:pPr>
             <a:r>
-              <a:rPr lang="zh-CN" altLang="en-US" sz="2000" dirty="0" smtClean="0">
+              <a:rPr lang="zh-CN" altLang="en-US" sz="2000" dirty="0">
                 <a:latin typeface="微软雅黑" panose="020B0503020204020204" pitchFamily="34" charset="-122"/>
                 <a:ea typeface="微软雅黑" panose="020B0503020204020204" pitchFamily="34" charset="-122"/>
               </a:rPr>
               <a:t>扫描带参数二维码事件</a:t>
             </a:r>
-            <a:endParaRPr lang="en-US" altLang="zh-CN" sz="2000" dirty="0" smtClean="0">
+            <a:endParaRPr lang="en-US" altLang="zh-CN" sz="2000" dirty="0">
               <a:latin typeface="微软雅黑" panose="020B0503020204020204" pitchFamily="34" charset="-122"/>
               <a:ea typeface="微软雅黑" panose="020B0503020204020204" pitchFamily="34" charset="-122"/>
             </a:endParaRPr>
@@ -13663,13 +13946,13 @@
               <a:buChar char="•"/>
             </a:pPr>
             <a:r>
-              <a:rPr lang="zh-CN" altLang="en-US" sz="2000" dirty="0" smtClean="0">
+              <a:rPr lang="zh-CN" altLang="en-US" sz="2000" dirty="0">
                 <a:latin typeface="微软雅黑" panose="020B0503020204020204" pitchFamily="34" charset="-122"/>
                 <a:ea typeface="微软雅黑" panose="020B0503020204020204" pitchFamily="34" charset="-122"/>
               </a:rPr>
               <a:t>上报地理位置事件</a:t>
             </a:r>
-            <a:endParaRPr lang="en-US" altLang="zh-CN" sz="2000" dirty="0" smtClean="0">
+            <a:endParaRPr lang="en-US" altLang="zh-CN" sz="2000" dirty="0">
               <a:latin typeface="微软雅黑" panose="020B0503020204020204" pitchFamily="34" charset="-122"/>
               <a:ea typeface="微软雅黑" panose="020B0503020204020204" pitchFamily="34" charset="-122"/>
             </a:endParaRPr>
@@ -13687,16 +13970,9 @@
                 <a:latin typeface="微软雅黑" panose="020B0503020204020204" pitchFamily="34" charset="-122"/>
                 <a:ea typeface="微软雅黑" panose="020B0503020204020204" pitchFamily="34" charset="-122"/>
               </a:rPr>
-              <a:t>自定义</a:t>
-            </a:r>
-            <a:r>
-              <a:rPr lang="zh-CN" altLang="en-US" sz="2000" dirty="0" smtClean="0">
-                <a:latin typeface="微软雅黑" panose="020B0503020204020204" pitchFamily="34" charset="-122"/>
-                <a:ea typeface="微软雅黑" panose="020B0503020204020204" pitchFamily="34" charset="-122"/>
-              </a:rPr>
-              <a:t>菜单事件</a:t>
-            </a:r>
-            <a:endParaRPr lang="en-US" altLang="zh-CN" sz="2000" dirty="0" smtClean="0">
+              <a:t>自定义菜单事件</a:t>
+            </a:r>
+            <a:endParaRPr lang="en-US" altLang="zh-CN" sz="2000" dirty="0">
               <a:latin typeface="微软雅黑" panose="020B0503020204020204" pitchFamily="34" charset="-122"/>
               <a:ea typeface="微软雅黑" panose="020B0503020204020204" pitchFamily="34" charset="-122"/>
             </a:endParaRPr>
@@ -13710,30 +13986,12 @@
               <a:buChar char="•"/>
             </a:pPr>
             <a:r>
-              <a:rPr lang="zh-CN" altLang="en-US" sz="2000" dirty="0" smtClean="0">
-                <a:latin typeface="微软雅黑" panose="020B0503020204020204" pitchFamily="34" charset="-122"/>
-                <a:ea typeface="微软雅黑" panose="020B0503020204020204" pitchFamily="34" charset="-122"/>
-              </a:rPr>
-              <a:t>点击</a:t>
-            </a:r>
-            <a:r>
               <a:rPr lang="zh-CN" altLang="en-US" sz="2000" dirty="0">
                 <a:latin typeface="微软雅黑" panose="020B0503020204020204" pitchFamily="34" charset="-122"/>
                 <a:ea typeface="微软雅黑" panose="020B0503020204020204" pitchFamily="34" charset="-122"/>
               </a:rPr>
-              <a:t>菜单拉取消息时的事件推</a:t>
-            </a:r>
-            <a:r>
-              <a:rPr lang="zh-CN" altLang="en-US" sz="2000" dirty="0" smtClean="0">
-                <a:latin typeface="微软雅黑" panose="020B0503020204020204" pitchFamily="34" charset="-122"/>
-                <a:ea typeface="微软雅黑" panose="020B0503020204020204" pitchFamily="34" charset="-122"/>
-              </a:rPr>
-              <a:t>送</a:t>
-            </a:r>
-            <a:endParaRPr lang="zh-CN" altLang="en-US" sz="2000" dirty="0">
-              <a:latin typeface="微软雅黑" panose="020B0503020204020204" pitchFamily="34" charset="-122"/>
-              <a:ea typeface="微软雅黑" panose="020B0503020204020204" pitchFamily="34" charset="-122"/>
-            </a:endParaRPr>
+              <a:t>点击菜单拉取消息时的事件推送</a:t>
+            </a:r>
           </a:p>
           <a:p>
             <a:pPr marL="285750" indent="-285750">
@@ -13744,20 +14002,13 @@
               <a:buChar char="•"/>
             </a:pPr>
             <a:r>
-              <a:rPr lang="zh-CN" altLang="en-US" sz="2000" dirty="0" smtClean="0">
-                <a:latin typeface="微软雅黑" panose="020B0503020204020204" pitchFamily="34" charset="-122"/>
-                <a:ea typeface="微软雅黑" panose="020B0503020204020204" pitchFamily="34" charset="-122"/>
-              </a:rPr>
-              <a:t>点击</a:t>
-            </a:r>
-            <a:r>
               <a:rPr lang="zh-CN" altLang="en-US" sz="2000" dirty="0">
                 <a:latin typeface="微软雅黑" panose="020B0503020204020204" pitchFamily="34" charset="-122"/>
                 <a:ea typeface="微软雅黑" panose="020B0503020204020204" pitchFamily="34" charset="-122"/>
               </a:rPr>
-              <a:t>菜单跳转链接时的事件推送</a:t>
-            </a:r>
-            <a:endParaRPr lang="en-US" altLang="zh-CN" sz="2000" dirty="0" smtClean="0">
+              <a:t>点击菜单跳转链接时的事件推送</a:t>
+            </a:r>
+            <a:endParaRPr lang="en-US" altLang="zh-CN" sz="2000" dirty="0">
               <a:latin typeface="微软雅黑" panose="020B0503020204020204" pitchFamily="34" charset="-122"/>
               <a:ea typeface="微软雅黑" panose="020B0503020204020204" pitchFamily="34" charset="-122"/>
             </a:endParaRPr>
@@ -13792,55 +14043,13 @@
               </a:lnSpc>
             </a:pPr>
             <a:r>
-              <a:rPr lang="zh-CN" altLang="en-US" sz="2000" dirty="0" smtClean="0">
-                <a:latin typeface="微软雅黑" panose="020B0503020204020204" pitchFamily="34" charset="-122"/>
-                <a:ea typeface="微软雅黑" panose="020B0503020204020204" pitchFamily="34" charset="-122"/>
-              </a:rPr>
-              <a:t>当发生以上情况时，微信服务器会把事件类型的消息发送到开发者服务器。</a:t>
-            </a:r>
-            <a:r>
               <a:rPr lang="zh-CN" altLang="en-US" sz="2000" dirty="0">
                 <a:latin typeface="微软雅黑" panose="020B0503020204020204" pitchFamily="34" charset="-122"/>
                 <a:ea typeface="微软雅黑" panose="020B0503020204020204" pitchFamily="34" charset="-122"/>
               </a:rPr>
-              <a:t>但</a:t>
-            </a:r>
-            <a:r>
-              <a:rPr lang="zh-CN" altLang="en-US" sz="2000" dirty="0" smtClean="0">
-                <a:latin typeface="微软雅黑" panose="020B0503020204020204" pitchFamily="34" charset="-122"/>
-                <a:ea typeface="微软雅黑" panose="020B0503020204020204" pitchFamily="34" charset="-122"/>
-              </a:rPr>
-              <a:t>不是</a:t>
-            </a:r>
-            <a:r>
-              <a:rPr lang="zh-CN" altLang="en-US" sz="2000" dirty="0" smtClean="0">
-                <a:latin typeface="微软雅黑" panose="020B0503020204020204" pitchFamily="34" charset="-122"/>
-                <a:ea typeface="微软雅黑" panose="020B0503020204020204" pitchFamily="34" charset="-122"/>
-              </a:rPr>
-              <a:t>所有</a:t>
-            </a:r>
-            <a:r>
-              <a:rPr lang="zh-CN" altLang="en-US" sz="2000" dirty="0">
-                <a:latin typeface="微软雅黑" panose="020B0503020204020204" pitchFamily="34" charset="-122"/>
-                <a:ea typeface="微软雅黑" panose="020B0503020204020204" pitchFamily="34" charset="-122"/>
-              </a:rPr>
-              <a:t>事件</a:t>
-            </a:r>
-            <a:r>
-              <a:rPr lang="zh-CN" altLang="en-US" sz="2000" dirty="0" smtClean="0">
-                <a:latin typeface="微软雅黑" panose="020B0503020204020204" pitchFamily="34" charset="-122"/>
-                <a:ea typeface="微软雅黑" panose="020B0503020204020204" pitchFamily="34" charset="-122"/>
-              </a:rPr>
-              <a:t>回复</a:t>
-            </a:r>
-            <a:r>
-              <a:rPr lang="zh-CN" altLang="en-US" sz="2000" dirty="0" smtClean="0">
-                <a:latin typeface="微软雅黑" panose="020B0503020204020204" pitchFamily="34" charset="-122"/>
-                <a:ea typeface="微软雅黑" panose="020B0503020204020204" pitchFamily="34" charset="-122"/>
-              </a:rPr>
-              <a:t>消息都可以收到，只有部分事件微信服务器才会把返回的消息发送到客户端。</a:t>
-            </a:r>
-            <a:endParaRPr lang="en-US" altLang="zh-CN" sz="2000" dirty="0" smtClean="0">
+              <a:t>当发生以上情况时，微信服务器会把事件类型的消息发送到开发者服务器。但不是所有事件回复消息都可以收到，只有部分事件微信服务器才会把返回的消息发送到客户端。</a:t>
+            </a:r>
+            <a:endParaRPr lang="en-US" altLang="zh-CN" sz="2000" dirty="0">
               <a:latin typeface="微软雅黑" panose="020B0503020204020204" pitchFamily="34" charset="-122"/>
               <a:ea typeface="微软雅黑" panose="020B0503020204020204" pitchFamily="34" charset="-122"/>
             </a:endParaRPr>
@@ -13898,18 +14107,17 @@
           <a:lstStyle/>
           <a:p>
             <a:r>
-              <a:rPr lang="zh-CN" altLang="en-US" b="0" dirty="0" smtClean="0"/>
+              <a:rPr lang="zh-CN" altLang="en-US" b="0" dirty="0"/>
               <a:t>微信事件的</a:t>
             </a:r>
             <a:r>
-              <a:rPr lang="en-US" altLang="zh-CN" b="0" dirty="0" smtClean="0"/>
+              <a:rPr lang="en-US" altLang="zh-CN" b="0" dirty="0"/>
               <a:t>XML</a:t>
             </a:r>
             <a:r>
-              <a:rPr lang="zh-CN" altLang="en-US" b="0" dirty="0" smtClean="0"/>
+              <a:rPr lang="zh-CN" altLang="en-US" b="0" dirty="0"/>
               <a:t>格式</a:t>
             </a:r>
-            <a:endParaRPr lang="zh-CN" altLang="en-US" b="0" dirty="0"/>
           </a:p>
         </p:txBody>
       </p:sp>
@@ -13943,13 +14151,13 @@
               <a:buChar char="•"/>
             </a:pPr>
             <a:r>
-              <a:rPr lang="zh-CN" altLang="en-US" sz="2000" dirty="0" smtClean="0">
+              <a:rPr lang="zh-CN" altLang="en-US" sz="2000" dirty="0">
                 <a:latin typeface="微软雅黑" panose="020B0503020204020204" pitchFamily="34" charset="-122"/>
                 <a:ea typeface="微软雅黑" panose="020B0503020204020204" pitchFamily="34" charset="-122"/>
               </a:rPr>
               <a:t>关注公众号的事件格式</a:t>
             </a:r>
-            <a:endParaRPr lang="en-US" altLang="zh-CN" sz="2000" dirty="0" smtClean="0">
+            <a:endParaRPr lang="en-US" altLang="zh-CN" sz="2000" dirty="0">
               <a:latin typeface="微软雅黑" panose="020B0503020204020204" pitchFamily="34" charset="-122"/>
               <a:ea typeface="微软雅黑" panose="020B0503020204020204" pitchFamily="34" charset="-122"/>
             </a:endParaRPr>
@@ -13976,7 +14184,7 @@
               </a:lnSpc>
             </a:pPr>
             <a:r>
-              <a:rPr lang="en-US" altLang="zh-CN" sz="2000" dirty="0" smtClean="0">
+              <a:rPr lang="en-US" altLang="zh-CN" sz="2000" dirty="0">
                 <a:latin typeface="Calibri" panose="020F0502020204030204" pitchFamily="34" charset="0"/>
                 <a:ea typeface="微软雅黑" panose="020B0503020204020204" pitchFamily="34" charset="-122"/>
                 <a:cs typeface="Calibri" panose="020F0502020204030204" pitchFamily="34" charset="0"/>
@@ -14039,7 +14247,7 @@
               </a:lnSpc>
             </a:pPr>
             <a:r>
-              <a:rPr lang="en-US" altLang="zh-CN" sz="2000" dirty="0" smtClean="0">
+              <a:rPr lang="en-US" altLang="zh-CN" sz="2000" dirty="0">
                 <a:latin typeface="Calibri" panose="020F0502020204030204" pitchFamily="34" charset="0"/>
                 <a:ea typeface="微软雅黑" panose="020B0503020204020204" pitchFamily="34" charset="-122"/>
                 <a:cs typeface="Calibri" panose="020F0502020204030204" pitchFamily="34" charset="0"/>
@@ -14102,7 +14310,7 @@
               </a:lnSpc>
             </a:pPr>
             <a:r>
-              <a:rPr lang="en-US" altLang="zh-CN" sz="2000" dirty="0" smtClean="0">
+              <a:rPr lang="en-US" altLang="zh-CN" sz="2000" dirty="0">
                 <a:latin typeface="Calibri" panose="020F0502020204030204" pitchFamily="34" charset="0"/>
                 <a:ea typeface="微软雅黑" panose="020B0503020204020204" pitchFamily="34" charset="-122"/>
                 <a:cs typeface="Calibri" panose="020F0502020204030204" pitchFamily="34" charset="0"/>
@@ -14149,7 +14357,7 @@
               </a:lnSpc>
             </a:pPr>
             <a:r>
-              <a:rPr lang="en-US" altLang="zh-CN" sz="2000" dirty="0" smtClean="0">
+              <a:rPr lang="en-US" altLang="zh-CN" sz="2000" dirty="0">
                 <a:latin typeface="Calibri" panose="020F0502020204030204" pitchFamily="34" charset="0"/>
                 <a:ea typeface="微软雅黑" panose="020B0503020204020204" pitchFamily="34" charset="-122"/>
                 <a:cs typeface="Calibri" panose="020F0502020204030204" pitchFamily="34" charset="0"/>
@@ -14196,20 +14404,12 @@
               </a:lnSpc>
             </a:pPr>
             <a:r>
-              <a:rPr lang="en-US" altLang="zh-CN" sz="2000" dirty="0" smtClean="0">
-                <a:latin typeface="Calibri" panose="020F0502020204030204" pitchFamily="34" charset="0"/>
-                <a:ea typeface="微软雅黑" panose="020B0503020204020204" pitchFamily="34" charset="-122"/>
-                <a:cs typeface="Calibri" panose="020F0502020204030204" pitchFamily="34" charset="0"/>
-              </a:rPr>
-              <a:t>  &lt;</a:t>
-            </a:r>
-            <a:r>
               <a:rPr lang="en-US" altLang="zh-CN" sz="2000" dirty="0">
                 <a:latin typeface="Calibri" panose="020F0502020204030204" pitchFamily="34" charset="0"/>
                 <a:ea typeface="微软雅黑" panose="020B0503020204020204" pitchFamily="34" charset="-122"/>
                 <a:cs typeface="Calibri" panose="020F0502020204030204" pitchFamily="34" charset="0"/>
               </a:rPr>
-              <a:t>Event&gt;&lt;![CDATA[subscribe]]&gt;&lt;/Event&gt;</a:t>
+              <a:t>  &lt;Event&gt;&lt;![CDATA[subscribe]]&gt;&lt;/Event&gt;</a:t>
             </a:r>
           </a:p>
           <a:p>
@@ -14224,15 +14424,7 @@
                 <a:ea typeface="微软雅黑" panose="020B0503020204020204" pitchFamily="34" charset="-122"/>
                 <a:cs typeface="Calibri" panose="020F0502020204030204" pitchFamily="34" charset="0"/>
               </a:rPr>
-              <a:t>&lt;/xml</a:t>
-            </a:r>
-            <a:r>
-              <a:rPr lang="en-US" altLang="zh-CN" sz="2000" dirty="0" smtClean="0">
-                <a:latin typeface="Calibri" panose="020F0502020204030204" pitchFamily="34" charset="0"/>
-                <a:ea typeface="微软雅黑" panose="020B0503020204020204" pitchFamily="34" charset="-122"/>
-                <a:cs typeface="Calibri" panose="020F0502020204030204" pitchFamily="34" charset="0"/>
-              </a:rPr>
-              <a:t>&gt;</a:t>
+              <a:t>&lt;/xml&gt;</a:t>
             </a:r>
           </a:p>
           <a:p>
@@ -14244,7 +14436,7 @@
               <a:buChar char="•"/>
             </a:pPr>
             <a:r>
-              <a:rPr lang="zh-CN" altLang="en-US" sz="2000" dirty="0" smtClean="0">
+              <a:rPr lang="zh-CN" altLang="en-US" sz="2000" dirty="0">
                 <a:latin typeface="Calibri" panose="020F0502020204030204" pitchFamily="34" charset="0"/>
                 <a:ea typeface="微软雅黑" panose="020B0503020204020204" pitchFamily="34" charset="-122"/>
                 <a:cs typeface="Calibri" panose="020F0502020204030204" pitchFamily="34" charset="0"/>
@@ -14252,7 +14444,7 @@
               <a:t>事件格式与消息格式很相似，解析后，根据</a:t>
             </a:r>
             <a:r>
-              <a:rPr lang="en-US" altLang="zh-CN" sz="2000" dirty="0" err="1" smtClean="0">
+              <a:rPr lang="en-US" altLang="zh-CN" sz="2000" dirty="0" err="1">
                 <a:latin typeface="Calibri" panose="020F0502020204030204" pitchFamily="34" charset="0"/>
                 <a:ea typeface="微软雅黑" panose="020B0503020204020204" pitchFamily="34" charset="-122"/>
                 <a:cs typeface="Calibri" panose="020F0502020204030204" pitchFamily="34" charset="0"/>
@@ -14260,7 +14452,7 @@
               <a:t>MsgType</a:t>
             </a:r>
             <a:r>
-              <a:rPr lang="zh-CN" altLang="en-US" sz="2000" dirty="0" smtClean="0">
+              <a:rPr lang="zh-CN" altLang="en-US" sz="2000" dirty="0">
                 <a:latin typeface="Calibri" panose="020F0502020204030204" pitchFamily="34" charset="0"/>
                 <a:ea typeface="微软雅黑" panose="020B0503020204020204" pitchFamily="34" charset="-122"/>
                 <a:cs typeface="Calibri" panose="020F0502020204030204" pitchFamily="34" charset="0"/>
@@ -14268,7 +14460,7 @@
               <a:t>为</a:t>
             </a:r>
             <a:r>
-              <a:rPr lang="en-US" altLang="zh-CN" sz="2000" dirty="0" smtClean="0">
+              <a:rPr lang="en-US" altLang="zh-CN" sz="2000" dirty="0">
                 <a:latin typeface="Calibri" panose="020F0502020204030204" pitchFamily="34" charset="0"/>
                 <a:ea typeface="微软雅黑" panose="020B0503020204020204" pitchFamily="34" charset="-122"/>
                 <a:cs typeface="Calibri" panose="020F0502020204030204" pitchFamily="34" charset="0"/>
@@ -14276,18 +14468,13 @@
               <a:t>event</a:t>
             </a:r>
             <a:r>
-              <a:rPr lang="zh-CN" altLang="en-US" sz="2000" dirty="0" smtClean="0">
+              <a:rPr lang="zh-CN" altLang="en-US" sz="2000" dirty="0">
                 <a:latin typeface="Calibri" panose="020F0502020204030204" pitchFamily="34" charset="0"/>
                 <a:ea typeface="微软雅黑" panose="020B0503020204020204" pitchFamily="34" charset="-122"/>
                 <a:cs typeface="Calibri" panose="020F0502020204030204" pitchFamily="34" charset="0"/>
               </a:rPr>
               <a:t>判断是否为事件类型。</a:t>
             </a:r>
-            <a:endParaRPr lang="zh-CN" altLang="en-US" sz="2000" dirty="0">
-              <a:latin typeface="Calibri" panose="020F0502020204030204" pitchFamily="34" charset="0"/>
-              <a:ea typeface="微软雅黑" panose="020B0503020204020204" pitchFamily="34" charset="-122"/>
-              <a:cs typeface="Calibri" panose="020F0502020204030204" pitchFamily="34" charset="0"/>
-            </a:endParaRPr>
           </a:p>
         </p:txBody>
       </p:sp>
@@ -14337,10 +14524,9 @@
           <a:lstStyle/>
           <a:p>
             <a:r>
-              <a:rPr lang="zh-CN" altLang="en-US" b="0" dirty="0" smtClean="0"/>
+              <a:rPr lang="zh-CN" altLang="en-US" b="0" dirty="0"/>
               <a:t>事件与普通消息</a:t>
             </a:r>
-            <a:endParaRPr lang="zh-CN" altLang="en-US" b="0" dirty="0"/>
           </a:p>
         </p:txBody>
       </p:sp>
@@ -14374,41 +14560,34 @@
               <a:buChar char="•"/>
             </a:pPr>
             <a:r>
-              <a:rPr lang="zh-CN" altLang="en-US" sz="2000" dirty="0" smtClean="0">
+              <a:rPr lang="zh-CN" altLang="en-US" sz="2000" dirty="0">
                 <a:latin typeface="微软雅黑" panose="020B0503020204020204" pitchFamily="34" charset="-122"/>
                 <a:ea typeface="微软雅黑" panose="020B0503020204020204" pitchFamily="34" charset="-122"/>
               </a:rPr>
               <a:t>微信事件消息与普通消息并没有本质区别，只是并非由微信用户发送消息，而是微信服务器对用户的某些操作进行响应，并把结果通知到开发者服务器。使用</a:t>
             </a:r>
             <a:r>
-              <a:rPr lang="en-US" altLang="zh-CN" sz="2000" dirty="0" err="1" smtClean="0">
+              <a:rPr lang="en-US" altLang="zh-CN" sz="2000" dirty="0" err="1">
                 <a:latin typeface="微软雅黑" panose="020B0503020204020204" pitchFamily="34" charset="-122"/>
                 <a:ea typeface="微软雅黑" panose="020B0503020204020204" pitchFamily="34" charset="-122"/>
               </a:rPr>
               <a:t>MsgType</a:t>
             </a:r>
             <a:r>
-              <a:rPr lang="en-US" altLang="zh-CN" sz="2000" dirty="0" smtClean="0">
+              <a:rPr lang="en-US" altLang="zh-CN" sz="2000" dirty="0">
                 <a:latin typeface="微软雅黑" panose="020B0503020204020204" pitchFamily="34" charset="-122"/>
                 <a:ea typeface="微软雅黑" panose="020B0503020204020204" pitchFamily="34" charset="-122"/>
               </a:rPr>
               <a:t>=event</a:t>
             </a:r>
             <a:r>
-              <a:rPr lang="zh-CN" altLang="en-US" sz="2000" dirty="0" smtClean="0">
-                <a:latin typeface="微软雅黑" panose="020B0503020204020204" pitchFamily="34" charset="-122"/>
-                <a:ea typeface="微软雅黑" panose="020B0503020204020204" pitchFamily="34" charset="-122"/>
-              </a:rPr>
-              <a:t>标记为事件类型的消息</a:t>
-            </a:r>
-            <a:r>
               <a:rPr lang="zh-CN" altLang="en-US" sz="2000" dirty="0">
                 <a:latin typeface="微软雅黑" panose="020B0503020204020204" pitchFamily="34" charset="-122"/>
                 <a:ea typeface="微软雅黑" panose="020B0503020204020204" pitchFamily="34" charset="-122"/>
               </a:rPr>
-              <a:t>。</a:t>
-            </a:r>
-            <a:endParaRPr lang="en-US" altLang="zh-CN" sz="2000" dirty="0" smtClean="0">
+              <a:t>标记为事件类型的消息。</a:t>
+            </a:r>
+            <a:endParaRPr lang="en-US" altLang="zh-CN" sz="2000" dirty="0">
               <a:latin typeface="微软雅黑" panose="020B0503020204020204" pitchFamily="34" charset="-122"/>
               <a:ea typeface="微软雅黑" panose="020B0503020204020204" pitchFamily="34" charset="-122"/>
             </a:endParaRPr>
@@ -14461,23 +14640,64 @@
           <a:lstStyle/>
           <a:p>
             <a:r>
-              <a:rPr lang="zh-CN" altLang="en-US" b="0" dirty="0" smtClean="0"/>
-              <a:t>第二讲</a:t>
-            </a:r>
-            <a:endParaRPr lang="zh-CN" altLang="en-US" b="0" dirty="0"/>
-          </a:p>
-        </p:txBody>
-      </p:sp>
-      <p:sp>
-        <p:nvSpPr>
-          <p:cNvPr id="4" name="文本框 3"/>
+              <a:rPr lang="zh-CN" altLang="en-US" b="0" dirty="0"/>
+              <a:t>如何处理事件</a:t>
+            </a:r>
+          </a:p>
+        </p:txBody>
+      </p:sp>
+      <p:pic>
+        <p:nvPicPr>
+          <p:cNvPr id="7" name="图片 6">
+            <a:extLst>
+              <a:ext uri="{FF2B5EF4-FFF2-40B4-BE49-F238E27FC236}">
+                <a16:creationId xmlns:a16="http://schemas.microsoft.com/office/drawing/2014/main" id="{D1018C56-602C-4B56-91FE-62A26B422E10}"/>
+              </a:ext>
+            </a:extLst>
+          </p:cNvPr>
+          <p:cNvPicPr>
+            <a:picLocks noChangeAspect="1"/>
+          </p:cNvPicPr>
+          <p:nvPr/>
+        </p:nvPicPr>
+        <p:blipFill>
+          <a:blip r:embed="rId2">
+            <a:extLst>
+              <a:ext uri="{28A0092B-C50C-407E-A947-70E740481C1C}">
+                <a14:useLocalDpi xmlns:a14="http://schemas.microsoft.com/office/drawing/2010/main" val="0"/>
+              </a:ext>
+            </a:extLst>
+          </a:blip>
+          <a:stretch>
+            <a:fillRect/>
+          </a:stretch>
+        </p:blipFill>
+        <p:spPr>
+          <a:xfrm>
+            <a:off x="1054099" y="1618634"/>
+            <a:ext cx="4955245" cy="3710449"/>
+          </a:xfrm>
+          <a:prstGeom prst="rect">
+            <a:avLst/>
+          </a:prstGeom>
+        </p:spPr>
+      </p:pic>
+      <p:sp>
+        <p:nvSpPr>
+          <p:cNvPr id="8" name="文本框 7">
+            <a:extLst>
+              <a:ext uri="{FF2B5EF4-FFF2-40B4-BE49-F238E27FC236}">
+                <a16:creationId xmlns:a16="http://schemas.microsoft.com/office/drawing/2014/main" id="{5B740601-ACA2-4F89-9E22-A75733391128}"/>
+              </a:ext>
+            </a:extLst>
+          </p:cNvPr>
           <p:cNvSpPr txBox="1"/>
           <p:nvPr/>
         </p:nvSpPr>
         <p:spPr>
           <a:xfrm>
-            <a:off x="4058444" y="2343152"/>
-            <a:ext cx="5385594" cy="2062103"/>
+            <a:off x="1054099" y="5614219"/>
+            <a:ext cx="9014133" cy="400110"/>
           </a:xfrm>
           <a:prstGeom prst="rect">
             <a:avLst/>
@@ -14490,129 +14710,24 @@
           </a:bodyPr>
           <a:lstStyle/>
           <a:p>
-            <a:pPr marL="514350" indent="-514350">
-              <a:lnSpc>
-                <a:spcPct val="200000"/>
-              </a:lnSpc>
-              <a:buFont typeface="+mj-ea"/>
-              <a:buAutoNum type="ea1JpnChsDbPeriod"/>
+            <a:pPr marL="285750" indent="-285750">
+              <a:buFont typeface="Arial" panose="020B0604020202020204" pitchFamily="34" charset="0"/>
+              <a:buChar char="•"/>
             </a:pPr>
             <a:r>
               <a:rPr lang="zh-CN" altLang="en-US" sz="2000" dirty="0">
-                <a:solidFill>
-                  <a:schemeClr val="tx1">
-                    <a:lumMod val="65000"/>
-                    <a:lumOff val="35000"/>
-                  </a:schemeClr>
-                </a:solidFill>
                 <a:latin typeface="微软雅黑" panose="020B0503020204020204" pitchFamily="34" charset="-122"/>
                 <a:ea typeface="微软雅黑" panose="020B0503020204020204" pitchFamily="34" charset="-122"/>
               </a:rPr>
-              <a:t>事件消息类型</a:t>
-            </a:r>
-            <a:endParaRPr lang="en-US" altLang="zh-CN" sz="2000" dirty="0">
-              <a:solidFill>
-                <a:schemeClr val="tx1">
-                  <a:lumMod val="65000"/>
-                  <a:lumOff val="35000"/>
-                </a:schemeClr>
-              </a:solidFill>
-              <a:latin typeface="微软雅黑" panose="020B0503020204020204" pitchFamily="34" charset="-122"/>
-              <a:ea typeface="微软雅黑" panose="020B0503020204020204" pitchFamily="34" charset="-122"/>
-            </a:endParaRPr>
-          </a:p>
-          <a:p>
-            <a:pPr marL="514350" indent="-514350">
-              <a:lnSpc>
-                <a:spcPct val="200000"/>
-              </a:lnSpc>
-              <a:buFont typeface="+mj-ea"/>
-              <a:buAutoNum type="ea1JpnChsDbPeriod"/>
-            </a:pPr>
-            <a:r>
-              <a:rPr lang="zh-CN" altLang="en-US" sz="2400" dirty="0">
-                <a:solidFill>
-                  <a:schemeClr val="accent6">
-                    <a:lumMod val="75000"/>
-                  </a:schemeClr>
-                </a:solidFill>
-                <a:latin typeface="微软雅黑" panose="020B0503020204020204" pitchFamily="34" charset="-122"/>
-                <a:ea typeface="微软雅黑" panose="020B0503020204020204" pitchFamily="34" charset="-122"/>
-              </a:rPr>
-              <a:t>关注</a:t>
-            </a:r>
-            <a:r>
-              <a:rPr lang="en-US" altLang="zh-CN" sz="2400" dirty="0">
-                <a:solidFill>
-                  <a:schemeClr val="accent6">
-                    <a:lumMod val="75000"/>
-                  </a:schemeClr>
-                </a:solidFill>
-                <a:latin typeface="微软雅黑" panose="020B0503020204020204" pitchFamily="34" charset="-122"/>
-                <a:ea typeface="微软雅黑" panose="020B0503020204020204" pitchFamily="34" charset="-122"/>
-              </a:rPr>
-              <a:t>/</a:t>
-            </a:r>
-            <a:r>
-              <a:rPr lang="zh-CN" altLang="en-US" sz="2400" dirty="0">
-                <a:solidFill>
-                  <a:schemeClr val="accent6">
-                    <a:lumMod val="75000"/>
-                  </a:schemeClr>
-                </a:solidFill>
-                <a:latin typeface="微软雅黑" panose="020B0503020204020204" pitchFamily="34" charset="-122"/>
-                <a:ea typeface="微软雅黑" panose="020B0503020204020204" pitchFamily="34" charset="-122"/>
-              </a:rPr>
-              <a:t>取消关注事件</a:t>
-            </a:r>
-            <a:endParaRPr lang="en-US" altLang="zh-CN" sz="2400" dirty="0">
-              <a:solidFill>
-                <a:schemeClr val="accent6">
-                  <a:lumMod val="75000"/>
-                </a:schemeClr>
-              </a:solidFill>
-              <a:latin typeface="微软雅黑" panose="020B0503020204020204" pitchFamily="34" charset="-122"/>
-              <a:ea typeface="微软雅黑" panose="020B0503020204020204" pitchFamily="34" charset="-122"/>
-            </a:endParaRPr>
-          </a:p>
-          <a:p>
-            <a:pPr marL="514350" indent="-514350">
-              <a:lnSpc>
-                <a:spcPct val="200000"/>
-              </a:lnSpc>
-              <a:buFont typeface="+mj-ea"/>
-              <a:buAutoNum type="ea1JpnChsDbPeriod"/>
-            </a:pPr>
-            <a:r>
-              <a:rPr lang="zh-CN" altLang="en-US" sz="2000" dirty="0" smtClean="0">
-                <a:solidFill>
-                  <a:schemeClr val="tx1">
-                    <a:lumMod val="65000"/>
-                    <a:lumOff val="35000"/>
-                  </a:schemeClr>
-                </a:solidFill>
-                <a:latin typeface="微软雅黑" panose="020B0503020204020204" pitchFamily="34" charset="-122"/>
-                <a:ea typeface="微软雅黑" panose="020B0503020204020204" pitchFamily="34" charset="-122"/>
-              </a:rPr>
-              <a:t>扫描二维码与地理位置事件</a:t>
-            </a:r>
-            <a:endParaRPr lang="en-US" altLang="zh-CN" sz="2000" dirty="0">
-              <a:solidFill>
-                <a:schemeClr val="tx1">
-                  <a:lumMod val="65000"/>
-                  <a:lumOff val="35000"/>
-                </a:schemeClr>
-              </a:solidFill>
-              <a:latin typeface="微软雅黑" panose="020B0503020204020204" pitchFamily="34" charset="-122"/>
-              <a:ea typeface="微软雅黑" panose="020B0503020204020204" pitchFamily="34" charset="-122"/>
-            </a:endParaRPr>
+              <a:t>在对应的事件类型中编写处理代码。</a:t>
+            </a:r>
           </a:p>
         </p:txBody>
       </p:sp>
     </p:spTree>
     <p:extLst>
       <p:ext uri="{BB962C8B-B14F-4D97-AF65-F5344CB8AC3E}">
-        <p14:creationId xmlns:p14="http://schemas.microsoft.com/office/powerpoint/2010/main" val="2999457395"/>
+        <p14:creationId xmlns:p14="http://schemas.microsoft.com/office/powerpoint/2010/main" val="1101317411"/>
       </p:ext>
     </p:extLst>
   </p:cSld>
@@ -14655,10 +14770,9 @@
           <a:lstStyle/>
           <a:p>
             <a:r>
-              <a:rPr lang="zh-CN" altLang="en-US" b="0" dirty="0" smtClean="0"/>
-              <a:t>关注公众号的事件</a:t>
-            </a:r>
-            <a:endParaRPr lang="zh-CN" altLang="en-US" b="0" dirty="0"/>
+              <a:rPr lang="zh-CN" altLang="en-US" b="0" dirty="0"/>
+              <a:t>菜单事件</a:t>
+            </a:r>
           </a:p>
         </p:txBody>
       </p:sp>
@@ -14670,8 +14784,8 @@
         </p:nvSpPr>
         <p:spPr>
           <a:xfrm>
-            <a:off x="1166811" y="1585913"/>
-            <a:ext cx="10048877" cy="1477328"/>
+            <a:off x="1185863" y="1814513"/>
+            <a:ext cx="9801225" cy="1938992"/>
           </a:xfrm>
           <a:prstGeom prst="rect">
             <a:avLst/>
@@ -14684,7 +14798,7 @@
           </a:bodyPr>
           <a:lstStyle/>
           <a:p>
-            <a:pPr marL="342900" indent="-342900">
+            <a:pPr marL="285750" indent="-285750">
               <a:lnSpc>
                 <a:spcPct val="150000"/>
               </a:lnSpc>
@@ -14692,19 +14806,19 @@
               <a:buChar char="•"/>
             </a:pPr>
             <a:r>
-              <a:rPr lang="zh-CN" altLang="en-US" sz="2000" dirty="0" smtClean="0">
+              <a:rPr lang="zh-CN" altLang="en-US" sz="2000" dirty="0">
                 <a:latin typeface="微软雅黑" panose="020B0503020204020204" pitchFamily="34" charset="-122"/>
                 <a:ea typeface="微软雅黑" panose="020B0503020204020204" pitchFamily="34" charset="-122"/>
               </a:rPr>
-              <a:t>用户关注微信公众号后，微信服务器会发送事件消息到开发者服务器。开发者服务器收到消息后，可回复消息，据此可实现消息自动回复。</a:t>
-            </a:r>
-            <a:endParaRPr lang="en-US" altLang="zh-CN" sz="2000" dirty="0" smtClean="0">
+              <a:t>用户进行点击菜单操作，会产生菜单事件并通知开发者服务器。</a:t>
+            </a:r>
+            <a:endParaRPr lang="en-US" altLang="zh-CN" sz="2000" dirty="0">
               <a:latin typeface="微软雅黑" panose="020B0503020204020204" pitchFamily="34" charset="-122"/>
               <a:ea typeface="微软雅黑" panose="020B0503020204020204" pitchFamily="34" charset="-122"/>
             </a:endParaRPr>
           </a:p>
           <a:p>
-            <a:pPr marL="342900" indent="-342900">
+            <a:pPr marL="285750" indent="-285750">
               <a:lnSpc>
                 <a:spcPct val="150000"/>
               </a:lnSpc>
@@ -14712,58 +14826,91 @@
               <a:buChar char="•"/>
             </a:pPr>
             <a:r>
-              <a:rPr lang="zh-CN" altLang="en-US" sz="2000" dirty="0" smtClean="0">
-                <a:latin typeface="微软雅黑" panose="020B0503020204020204" pitchFamily="34" charset="-122"/>
-                <a:ea typeface="微软雅黑" panose="020B0503020204020204" pitchFamily="34" charset="-122"/>
-              </a:rPr>
-              <a:t>用户关注公众号后，开发者服务器会收到</a:t>
-            </a:r>
-            <a:r>
-              <a:rPr lang="en-US" altLang="zh-CN" sz="2000" dirty="0" smtClean="0">
-                <a:latin typeface="微软雅黑" panose="020B0503020204020204" pitchFamily="34" charset="-122"/>
-                <a:ea typeface="微软雅黑" panose="020B0503020204020204" pitchFamily="34" charset="-122"/>
-              </a:rPr>
-              <a:t>Event</a:t>
-            </a:r>
-            <a:r>
               <a:rPr lang="zh-CN" altLang="en-US" sz="2000" dirty="0">
                 <a:latin typeface="微软雅黑" panose="020B0503020204020204" pitchFamily="34" charset="-122"/>
                 <a:ea typeface="微软雅黑" panose="020B0503020204020204" pitchFamily="34" charset="-122"/>
               </a:rPr>
-              <a:t>值</a:t>
-            </a:r>
-            <a:r>
-              <a:rPr lang="zh-CN" altLang="en-US" sz="2000" dirty="0" smtClean="0">
+              <a:t>注意，点击菜单弹出子菜单，不会产生上报。</a:t>
+            </a:r>
+            <a:endParaRPr lang="en-US" altLang="zh-CN" sz="2000" dirty="0">
+              <a:latin typeface="微软雅黑" panose="020B0503020204020204" pitchFamily="34" charset="-122"/>
+              <a:ea typeface="微软雅黑" panose="020B0503020204020204" pitchFamily="34" charset="-122"/>
+            </a:endParaRPr>
+          </a:p>
+          <a:p>
+            <a:pPr marL="285750" indent="-285750">
+              <a:lnSpc>
+                <a:spcPct val="150000"/>
+              </a:lnSpc>
+              <a:buFont typeface="Arial" panose="020B0604020202020204" pitchFamily="34" charset="0"/>
+              <a:buChar char="•"/>
+            </a:pPr>
+            <a:r>
+              <a:rPr lang="zh-CN" altLang="en-US" sz="2000" dirty="0">
                 <a:latin typeface="微软雅黑" panose="020B0503020204020204" pitchFamily="34" charset="-122"/>
                 <a:ea typeface="微软雅黑" panose="020B0503020204020204" pitchFamily="34" charset="-122"/>
               </a:rPr>
-              <a:t>为</a:t>
-            </a:r>
-            <a:r>
-              <a:rPr lang="en-US" altLang="zh-CN" sz="2000" dirty="0" smtClean="0">
+              <a:t>点击菜单拉取消息时的事件为</a:t>
+            </a:r>
+            <a:r>
+              <a:rPr lang="en-US" altLang="zh-CN" sz="2000" dirty="0">
                 <a:latin typeface="微软雅黑" panose="020B0503020204020204" pitchFamily="34" charset="-122"/>
                 <a:ea typeface="微软雅黑" panose="020B0503020204020204" pitchFamily="34" charset="-122"/>
               </a:rPr>
-              <a:t>subscribe</a:t>
-            </a:r>
-            <a:r>
-              <a:rPr lang="zh-CN" altLang="en-US" sz="2000" dirty="0" smtClean="0">
+              <a:t>CLICK</a:t>
+            </a:r>
+            <a:r>
+              <a:rPr lang="zh-CN" altLang="en-US" sz="2000" dirty="0">
                 <a:latin typeface="微软雅黑" panose="020B0503020204020204" pitchFamily="34" charset="-122"/>
                 <a:ea typeface="微软雅黑" panose="020B0503020204020204" pitchFamily="34" charset="-122"/>
               </a:rPr>
-              <a:t>的事件消息。</a:t>
-            </a:r>
-            <a:endParaRPr lang="en-US" altLang="zh-CN" sz="2000" dirty="0" smtClean="0">
+              <a:t>。</a:t>
+            </a:r>
+            <a:endParaRPr lang="en-US" altLang="zh-CN" sz="2000" dirty="0">
               <a:latin typeface="微软雅黑" panose="020B0503020204020204" pitchFamily="34" charset="-122"/>
               <a:ea typeface="微软雅黑" panose="020B0503020204020204" pitchFamily="34" charset="-122"/>
             </a:endParaRPr>
           </a:p>
+          <a:p>
+            <a:pPr marL="285750" indent="-285750">
+              <a:lnSpc>
+                <a:spcPct val="150000"/>
+              </a:lnSpc>
+              <a:buFont typeface="Arial" panose="020B0604020202020204" pitchFamily="34" charset="0"/>
+              <a:buChar char="•"/>
+            </a:pPr>
+            <a:r>
+              <a:rPr lang="zh-CN" altLang="en-US" sz="2000" dirty="0">
+                <a:latin typeface="微软雅黑" panose="020B0503020204020204" pitchFamily="34" charset="-122"/>
+                <a:ea typeface="微软雅黑" panose="020B0503020204020204" pitchFamily="34" charset="-122"/>
+              </a:rPr>
+              <a:t>点击菜单跳转链接时的事件为</a:t>
+            </a:r>
+            <a:r>
+              <a:rPr lang="en-US" altLang="zh-CN" sz="2000" dirty="0">
+                <a:latin typeface="微软雅黑" panose="020B0503020204020204" pitchFamily="34" charset="-122"/>
+                <a:ea typeface="微软雅黑" panose="020B0503020204020204" pitchFamily="34" charset="-122"/>
+              </a:rPr>
+              <a:t>VIEW</a:t>
+            </a:r>
+            <a:r>
+              <a:rPr lang="zh-CN" altLang="en-US" sz="2000" dirty="0">
+                <a:latin typeface="微软雅黑" panose="020B0503020204020204" pitchFamily="34" charset="-122"/>
+                <a:ea typeface="微软雅黑" panose="020B0503020204020204" pitchFamily="34" charset="-122"/>
+              </a:rPr>
+              <a:t>。</a:t>
+            </a:r>
+            <a:endParaRPr lang="en-US" altLang="zh-CN" sz="2000" dirty="0">
+              <a:latin typeface="微软雅黑" panose="020B0503020204020204" pitchFamily="34" charset="-122"/>
+              <a:ea typeface="微软雅黑" panose="020B0503020204020204" pitchFamily="34" charset="-122"/>
+            </a:endParaRPr>
+          </a:p>
         </p:txBody>
       </p:sp>
     </p:spTree>
     <p:extLst>
       <p:ext uri="{BB962C8B-B14F-4D97-AF65-F5344CB8AC3E}">
-        <p14:creationId xmlns:p14="http://schemas.microsoft.com/office/powerpoint/2010/main" val="2699412093"/>
+        <p14:creationId xmlns:p14="http://schemas.microsoft.com/office/powerpoint/2010/main" val="2126534875"/>
       </p:ext>
     </p:extLst>
   </p:cSld>
